--- a/Design Patterns.pptx
+++ b/Design Patterns.pptx
@@ -15,6 +15,16 @@
     <p:sldId id="263" r:id="rId9"/>
     <p:sldId id="264" r:id="rId10"/>
     <p:sldId id="265" r:id="rId11"/>
+    <p:sldId id="266" r:id="rId12"/>
+    <p:sldId id="267" r:id="rId13"/>
+    <p:sldId id="268" r:id="rId14"/>
+    <p:sldId id="269" r:id="rId15"/>
+    <p:sldId id="270" r:id="rId16"/>
+    <p:sldId id="271" r:id="rId17"/>
+    <p:sldId id="272" r:id="rId18"/>
+    <p:sldId id="273" r:id="rId19"/>
+    <p:sldId id="274" r:id="rId20"/>
+    <p:sldId id="275" r:id="rId21"/>
   </p:sldIdLst>
   <p:sldSz cx="12192000" cy="6858000"/>
   <p:notesSz cx="6858000" cy="9144000"/>
@@ -113,6 +123,11 @@
       </a:defRPr>
     </a:lvl9pPr>
   </p:defaultTextStyle>
+  <p:extLst>
+    <p:ext uri="{EFAFB233-063F-42B5-8137-9DF3F51BA10A}">
+      <p15:sldGuideLst xmlns:p15="http://schemas.microsoft.com/office/powerpoint/2012/main"/>
+    </p:ext>
+  </p:extLst>
 </p:presentation>
 </file>
 
@@ -263,7 +278,7 @@
           <a:p>
             <a:fld id="{18E21C67-F94D-4AE4-92CD-358A5CF6275B}" type="datetimeFigureOut">
               <a:rPr lang="en-US" smtClean="0"/>
-              <a:t>4/1/2025</a:t>
+              <a:t>4/2/2025</a:t>
             </a:fld>
             <a:endParaRPr lang="en-US"/>
           </a:p>
@@ -461,7 +476,7 @@
           <a:p>
             <a:fld id="{18E21C67-F94D-4AE4-92CD-358A5CF6275B}" type="datetimeFigureOut">
               <a:rPr lang="en-US" smtClean="0"/>
-              <a:t>4/1/2025</a:t>
+              <a:t>4/2/2025</a:t>
             </a:fld>
             <a:endParaRPr lang="en-US"/>
           </a:p>
@@ -669,7 +684,7 @@
           <a:p>
             <a:fld id="{18E21C67-F94D-4AE4-92CD-358A5CF6275B}" type="datetimeFigureOut">
               <a:rPr lang="en-US" smtClean="0"/>
-              <a:t>4/1/2025</a:t>
+              <a:t>4/2/2025</a:t>
             </a:fld>
             <a:endParaRPr lang="en-US"/>
           </a:p>
@@ -867,7 +882,7 @@
           <a:p>
             <a:fld id="{18E21C67-F94D-4AE4-92CD-358A5CF6275B}" type="datetimeFigureOut">
               <a:rPr lang="en-US" smtClean="0"/>
-              <a:t>4/1/2025</a:t>
+              <a:t>4/2/2025</a:t>
             </a:fld>
             <a:endParaRPr lang="en-US"/>
           </a:p>
@@ -1142,7 +1157,7 @@
           <a:p>
             <a:fld id="{18E21C67-F94D-4AE4-92CD-358A5CF6275B}" type="datetimeFigureOut">
               <a:rPr lang="en-US" smtClean="0"/>
-              <a:t>4/1/2025</a:t>
+              <a:t>4/2/2025</a:t>
             </a:fld>
             <a:endParaRPr lang="en-US"/>
           </a:p>
@@ -1407,7 +1422,7 @@
           <a:p>
             <a:fld id="{18E21C67-F94D-4AE4-92CD-358A5CF6275B}" type="datetimeFigureOut">
               <a:rPr lang="en-US" smtClean="0"/>
-              <a:t>4/1/2025</a:t>
+              <a:t>4/2/2025</a:t>
             </a:fld>
             <a:endParaRPr lang="en-US"/>
           </a:p>
@@ -1819,7 +1834,7 @@
           <a:p>
             <a:fld id="{18E21C67-F94D-4AE4-92CD-358A5CF6275B}" type="datetimeFigureOut">
               <a:rPr lang="en-US" smtClean="0"/>
-              <a:t>4/1/2025</a:t>
+              <a:t>4/2/2025</a:t>
             </a:fld>
             <a:endParaRPr lang="en-US"/>
           </a:p>
@@ -1960,7 +1975,7 @@
           <a:p>
             <a:fld id="{18E21C67-F94D-4AE4-92CD-358A5CF6275B}" type="datetimeFigureOut">
               <a:rPr lang="en-US" smtClean="0"/>
-              <a:t>4/1/2025</a:t>
+              <a:t>4/2/2025</a:t>
             </a:fld>
             <a:endParaRPr lang="en-US"/>
           </a:p>
@@ -2073,7 +2088,7 @@
           <a:p>
             <a:fld id="{18E21C67-F94D-4AE4-92CD-358A5CF6275B}" type="datetimeFigureOut">
               <a:rPr lang="en-US" smtClean="0"/>
-              <a:t>4/1/2025</a:t>
+              <a:t>4/2/2025</a:t>
             </a:fld>
             <a:endParaRPr lang="en-US"/>
           </a:p>
@@ -2384,7 +2399,7 @@
           <a:p>
             <a:fld id="{18E21C67-F94D-4AE4-92CD-358A5CF6275B}" type="datetimeFigureOut">
               <a:rPr lang="en-US" smtClean="0"/>
-              <a:t>4/1/2025</a:t>
+              <a:t>4/2/2025</a:t>
             </a:fld>
             <a:endParaRPr lang="en-US"/>
           </a:p>
@@ -2672,7 +2687,7 @@
           <a:p>
             <a:fld id="{18E21C67-F94D-4AE4-92CD-358A5CF6275B}" type="datetimeFigureOut">
               <a:rPr lang="en-US" smtClean="0"/>
-              <a:t>4/1/2025</a:t>
+              <a:t>4/2/2025</a:t>
             </a:fld>
             <a:endParaRPr lang="en-US"/>
           </a:p>
@@ -2913,7 +2928,7 @@
           <a:p>
             <a:fld id="{18E21C67-F94D-4AE4-92CD-358A5CF6275B}" type="datetimeFigureOut">
               <a:rPr lang="en-US" smtClean="0"/>
-              <a:t>4/1/2025</a:t>
+              <a:t>4/2/2025</a:t>
             </a:fld>
             <a:endParaRPr lang="en-US"/>
           </a:p>
@@ -3534,6 +3549,2368 @@
 </p:sld>
 </file>
 
+<file path=ppt/slides/slide11.xml><?xml version="1.0" encoding="utf-8"?>
+<p:sld xmlns:a="http://schemas.openxmlformats.org/drawingml/2006/main" xmlns:r="http://schemas.openxmlformats.org/officeDocument/2006/relationships" xmlns:p="http://schemas.openxmlformats.org/presentationml/2006/main">
+  <p:cSld>
+    <p:spTree>
+      <p:nvGrpSpPr>
+        <p:cNvPr id="1" name=""/>
+        <p:cNvGrpSpPr/>
+        <p:nvPr/>
+      </p:nvGrpSpPr>
+      <p:grpSpPr>
+        <a:xfrm>
+          <a:off x="0" y="0"/>
+          <a:ext cx="0" cy="0"/>
+          <a:chOff x="0" y="0"/>
+          <a:chExt cx="0" cy="0"/>
+        </a:xfrm>
+      </p:grpSpPr>
+      <p:sp>
+        <p:nvSpPr>
+          <p:cNvPr id="2" name="Title 1">
+            <a:extLst>
+              <a:ext uri="{FF2B5EF4-FFF2-40B4-BE49-F238E27FC236}">
+                <a16:creationId xmlns:a16="http://schemas.microsoft.com/office/drawing/2014/main" id="{1EFBEEB9-3341-C7EB-32C9-380E1B42DD0C}"/>
+              </a:ext>
+            </a:extLst>
+          </p:cNvPr>
+          <p:cNvSpPr>
+            <a:spLocks noGrp="1"/>
+          </p:cNvSpPr>
+          <p:nvPr>
+            <p:ph type="title"/>
+          </p:nvPr>
+        </p:nvSpPr>
+        <p:spPr/>
+        <p:txBody>
+          <a:bodyPr/>
+          <a:lstStyle/>
+          <a:p>
+            <a:r>
+              <a:rPr lang="en-US" b="1" i="0" dirty="0">
+                <a:solidFill>
+                  <a:srgbClr val="000000"/>
+                </a:solidFill>
+                <a:effectLst/>
+                <a:latin typeface="arial" panose="020B0604020202020204" pitchFamily="34" charset="0"/>
+              </a:rPr>
+              <a:t>Prototype Design Pattern</a:t>
+            </a:r>
+            <a:endParaRPr lang="en-US" dirty="0"/>
+          </a:p>
+        </p:txBody>
+      </p:sp>
+      <p:sp>
+        <p:nvSpPr>
+          <p:cNvPr id="3" name="Content Placeholder 2">
+            <a:extLst>
+              <a:ext uri="{FF2B5EF4-FFF2-40B4-BE49-F238E27FC236}">
+                <a16:creationId xmlns:a16="http://schemas.microsoft.com/office/drawing/2014/main" id="{B82F1557-779E-B7AF-D82A-AA9099142219}"/>
+              </a:ext>
+            </a:extLst>
+          </p:cNvPr>
+          <p:cNvSpPr>
+            <a:spLocks noGrp="1"/>
+          </p:cNvSpPr>
+          <p:nvPr>
+            <p:ph idx="1"/>
+          </p:nvPr>
+        </p:nvSpPr>
+        <p:spPr/>
+        <p:txBody>
+          <a:bodyPr/>
+          <a:lstStyle/>
+          <a:p>
+            <a:r>
+              <a:rPr lang="en-US" b="1" i="0" dirty="0">
+                <a:solidFill>
+                  <a:srgbClr val="3A3A3A"/>
+                </a:solidFill>
+                <a:effectLst/>
+                <a:latin typeface="arial" panose="020B0604020202020204" pitchFamily="34" charset="0"/>
+              </a:rPr>
+              <a:t>Prototype Design Pattern specifies the kind of objects to create using a prototypical instance and creates new objects by copying this prototype</a:t>
+            </a:r>
+          </a:p>
+          <a:p>
+            <a:endParaRPr lang="en-US" b="1" dirty="0">
+              <a:solidFill>
+                <a:srgbClr val="3A3A3A"/>
+              </a:solidFill>
+              <a:latin typeface="arial" panose="020B0604020202020204" pitchFamily="34" charset="0"/>
+            </a:endParaRPr>
+          </a:p>
+          <a:p>
+            <a:r>
+              <a:rPr lang="en-US" b="0" i="0" dirty="0">
+                <a:solidFill>
+                  <a:srgbClr val="000000"/>
+                </a:solidFill>
+                <a:effectLst/>
+                <a:latin typeface="arial" panose="020B0604020202020204" pitchFamily="34" charset="0"/>
+              </a:rPr>
+              <a:t>That means it clones the existing object with its data into a new object. If we make any changes to the cloned object (i.e., new object), it does not affect the original object</a:t>
+            </a:r>
+            <a:endParaRPr lang="en-US" dirty="0"/>
+          </a:p>
+        </p:txBody>
+      </p:sp>
+    </p:spTree>
+    <p:extLst>
+      <p:ext uri="{BB962C8B-B14F-4D97-AF65-F5344CB8AC3E}">
+        <p14:creationId xmlns:p14="http://schemas.microsoft.com/office/powerpoint/2010/main" val="1896074751"/>
+      </p:ext>
+    </p:extLst>
+  </p:cSld>
+  <p:clrMapOvr>
+    <a:masterClrMapping/>
+  </p:clrMapOvr>
+</p:sld>
+</file>
+
+<file path=ppt/slides/slide12.xml><?xml version="1.0" encoding="utf-8"?>
+<p:sld xmlns:a="http://schemas.openxmlformats.org/drawingml/2006/main" xmlns:r="http://schemas.openxmlformats.org/officeDocument/2006/relationships" xmlns:p="http://schemas.openxmlformats.org/presentationml/2006/main">
+  <p:cSld>
+    <p:bg>
+      <p:bgPr>
+        <a:solidFill>
+          <a:schemeClr val="bg1"/>
+        </a:solidFill>
+        <a:effectLst/>
+      </p:bgPr>
+    </p:bg>
+    <p:spTree>
+      <p:nvGrpSpPr>
+        <p:cNvPr id="1" name=""/>
+        <p:cNvGrpSpPr/>
+        <p:nvPr/>
+      </p:nvGrpSpPr>
+      <p:grpSpPr>
+        <a:xfrm>
+          <a:off x="0" y="0"/>
+          <a:ext cx="0" cy="0"/>
+          <a:chOff x="0" y="0"/>
+          <a:chExt cx="0" cy="0"/>
+        </a:xfrm>
+      </p:grpSpPr>
+      <p:sp>
+        <p:nvSpPr>
+          <p:cNvPr id="11" name="Rectangle 10">
+            <a:extLst>
+              <a:ext uri="{FF2B5EF4-FFF2-40B4-BE49-F238E27FC236}">
+                <a16:creationId xmlns:a16="http://schemas.microsoft.com/office/drawing/2014/main" id="{A4AC5506-6312-4701-8D3C-40187889A947}"/>
+              </a:ext>
+              <a:ext uri="{C183D7F6-B498-43B3-948B-1728B52AA6E4}">
+                <adec:decorative xmlns:adec="http://schemas.microsoft.com/office/drawing/2017/decorative" val="1"/>
+              </a:ext>
+            </a:extLst>
+          </p:cNvPr>
+          <p:cNvSpPr>
+            <a:spLocks noGrp="1" noRot="1" noChangeAspect="1" noMove="1" noResize="1" noEditPoints="1" noAdjustHandles="1" noChangeArrowheads="1" noChangeShapeType="1" noTextEdit="1"/>
+          </p:cNvSpPr>
+          <p:nvPr>
+            <p:extLst>
+              <p:ext uri="{386F3935-93C4-4BCD-93E2-E3B085C9AB24}">
+                <p16:designElem xmlns:p16="http://schemas.microsoft.com/office/powerpoint/2015/main" val="1"/>
+              </p:ext>
+            </p:extLst>
+          </p:nvPr>
+        </p:nvSpPr>
+        <p:spPr>
+          <a:xfrm>
+            <a:off x="0" y="651752"/>
+            <a:ext cx="12192000" cy="736551"/>
+          </a:xfrm>
+          <a:prstGeom prst="rect">
+            <a:avLst/>
+          </a:prstGeom>
+          <a:solidFill>
+            <a:schemeClr val="tx1"/>
+          </a:solidFill>
+          <a:ln>
+            <a:noFill/>
+          </a:ln>
+        </p:spPr>
+        <p:style>
+          <a:lnRef idx="2">
+            <a:schemeClr val="accent1">
+              <a:shade val="50000"/>
+            </a:schemeClr>
+          </a:lnRef>
+          <a:fillRef idx="1">
+            <a:schemeClr val="accent1"/>
+          </a:fillRef>
+          <a:effectRef idx="0">
+            <a:schemeClr val="accent1"/>
+          </a:effectRef>
+          <a:fontRef idx="minor">
+            <a:schemeClr val="lt1"/>
+          </a:fontRef>
+        </p:style>
+        <p:txBody>
+          <a:bodyPr rtlCol="0" anchor="ctr"/>
+          <a:lstStyle/>
+          <a:p>
+            <a:pPr algn="ctr"/>
+            <a:endParaRPr lang="en-US"/>
+          </a:p>
+        </p:txBody>
+      </p:sp>
+      <p:sp>
+        <p:nvSpPr>
+          <p:cNvPr id="2" name="Title 1">
+            <a:extLst>
+              <a:ext uri="{FF2B5EF4-FFF2-40B4-BE49-F238E27FC236}">
+                <a16:creationId xmlns:a16="http://schemas.microsoft.com/office/drawing/2014/main" id="{9FC0D737-F298-2661-2C47-359242B316AB}"/>
+              </a:ext>
+            </a:extLst>
+          </p:cNvPr>
+          <p:cNvSpPr>
+            <a:spLocks noGrp="1"/>
+          </p:cNvSpPr>
+          <p:nvPr>
+            <p:ph type="title"/>
+          </p:nvPr>
+        </p:nvSpPr>
+        <p:spPr>
+          <a:xfrm>
+            <a:off x="556532" y="643467"/>
+            <a:ext cx="11210925" cy="744836"/>
+          </a:xfrm>
+        </p:spPr>
+        <p:txBody>
+          <a:bodyPr vert="horz" lIns="91440" tIns="45720" rIns="91440" bIns="45720" rtlCol="0" anchor="ctr">
+            <a:normAutofit/>
+          </a:bodyPr>
+          <a:lstStyle/>
+          <a:p>
+            <a:pPr algn="ctr"/>
+            <a:r>
+              <a:rPr lang="en-US" sz="3200" kern="1200">
+                <a:solidFill>
+                  <a:schemeClr val="bg1"/>
+                </a:solidFill>
+                <a:latin typeface="+mj-lt"/>
+                <a:ea typeface="+mj-ea"/>
+                <a:cs typeface="+mj-cs"/>
+              </a:rPr>
+              <a:t>Problem statement	</a:t>
+            </a:r>
+          </a:p>
+        </p:txBody>
+      </p:sp>
+      <p:pic>
+        <p:nvPicPr>
+          <p:cNvPr id="6" name="Content Placeholder 5">
+            <a:extLst>
+              <a:ext uri="{FF2B5EF4-FFF2-40B4-BE49-F238E27FC236}">
+                <a16:creationId xmlns:a16="http://schemas.microsoft.com/office/drawing/2014/main" id="{03310EE8-2106-E660-927F-EE4469CDB50A}"/>
+              </a:ext>
+            </a:extLst>
+          </p:cNvPr>
+          <p:cNvPicPr>
+            <a:picLocks noGrp="1" noChangeAspect="1"/>
+          </p:cNvPicPr>
+          <p:nvPr>
+            <p:ph idx="1"/>
+          </p:nvPr>
+        </p:nvPicPr>
+        <p:blipFill>
+          <a:blip r:embed="rId2"/>
+          <a:stretch>
+            <a:fillRect/>
+          </a:stretch>
+        </p:blipFill>
+        <p:spPr>
+          <a:xfrm>
+            <a:off x="1130802" y="1675227"/>
+            <a:ext cx="9930395" cy="4394199"/>
+          </a:xfrm>
+          <a:prstGeom prst="rect">
+            <a:avLst/>
+          </a:prstGeom>
+        </p:spPr>
+      </p:pic>
+    </p:spTree>
+    <p:extLst>
+      <p:ext uri="{BB962C8B-B14F-4D97-AF65-F5344CB8AC3E}">
+        <p14:creationId xmlns:p14="http://schemas.microsoft.com/office/powerpoint/2010/main" val="498137768"/>
+      </p:ext>
+    </p:extLst>
+  </p:cSld>
+  <p:clrMapOvr>
+    <a:masterClrMapping/>
+  </p:clrMapOvr>
+</p:sld>
+</file>
+
+<file path=ppt/slides/slide13.xml><?xml version="1.0" encoding="utf-8"?>
+<p:sld xmlns:a="http://schemas.openxmlformats.org/drawingml/2006/main" xmlns:r="http://schemas.openxmlformats.org/officeDocument/2006/relationships" xmlns:p="http://schemas.openxmlformats.org/presentationml/2006/main">
+  <p:cSld>
+    <p:bg>
+      <p:bgPr>
+        <a:solidFill>
+          <a:schemeClr val="bg1"/>
+        </a:solidFill>
+        <a:effectLst/>
+      </p:bgPr>
+    </p:bg>
+    <p:spTree>
+      <p:nvGrpSpPr>
+        <p:cNvPr id="1" name=""/>
+        <p:cNvGrpSpPr/>
+        <p:nvPr/>
+      </p:nvGrpSpPr>
+      <p:grpSpPr>
+        <a:xfrm>
+          <a:off x="0" y="0"/>
+          <a:ext cx="0" cy="0"/>
+          <a:chOff x="0" y="0"/>
+          <a:chExt cx="0" cy="0"/>
+        </a:xfrm>
+      </p:grpSpPr>
+      <p:sp>
+        <p:nvSpPr>
+          <p:cNvPr id="10" name="Rectangle 9">
+            <a:extLst>
+              <a:ext uri="{FF2B5EF4-FFF2-40B4-BE49-F238E27FC236}">
+                <a16:creationId xmlns:a16="http://schemas.microsoft.com/office/drawing/2014/main" id="{A4AC5506-6312-4701-8D3C-40187889A947}"/>
+              </a:ext>
+              <a:ext uri="{C183D7F6-B498-43B3-948B-1728B52AA6E4}">
+                <adec:decorative xmlns:adec="http://schemas.microsoft.com/office/drawing/2017/decorative" val="1"/>
+              </a:ext>
+            </a:extLst>
+          </p:cNvPr>
+          <p:cNvSpPr>
+            <a:spLocks noGrp="1" noRot="1" noChangeAspect="1" noMove="1" noResize="1" noEditPoints="1" noAdjustHandles="1" noChangeArrowheads="1" noChangeShapeType="1" noTextEdit="1"/>
+          </p:cNvSpPr>
+          <p:nvPr>
+            <p:extLst>
+              <p:ext uri="{386F3935-93C4-4BCD-93E2-E3B085C9AB24}">
+                <p16:designElem xmlns:p16="http://schemas.microsoft.com/office/powerpoint/2015/main" val="1"/>
+              </p:ext>
+            </p:extLst>
+          </p:nvPr>
+        </p:nvSpPr>
+        <p:spPr>
+          <a:xfrm>
+            <a:off x="0" y="651752"/>
+            <a:ext cx="12192000" cy="736551"/>
+          </a:xfrm>
+          <a:prstGeom prst="rect">
+            <a:avLst/>
+          </a:prstGeom>
+          <a:solidFill>
+            <a:schemeClr val="tx1"/>
+          </a:solidFill>
+          <a:ln>
+            <a:noFill/>
+          </a:ln>
+        </p:spPr>
+        <p:style>
+          <a:lnRef idx="2">
+            <a:schemeClr val="accent1">
+              <a:shade val="50000"/>
+            </a:schemeClr>
+          </a:lnRef>
+          <a:fillRef idx="1">
+            <a:schemeClr val="accent1"/>
+          </a:fillRef>
+          <a:effectRef idx="0">
+            <a:schemeClr val="accent1"/>
+          </a:effectRef>
+          <a:fontRef idx="minor">
+            <a:schemeClr val="lt1"/>
+          </a:fontRef>
+        </p:style>
+        <p:txBody>
+          <a:bodyPr rtlCol="0" anchor="ctr"/>
+          <a:lstStyle/>
+          <a:p>
+            <a:pPr algn="ctr"/>
+            <a:endParaRPr lang="en-US"/>
+          </a:p>
+        </p:txBody>
+      </p:sp>
+      <p:sp>
+        <p:nvSpPr>
+          <p:cNvPr id="2" name="Title 1">
+            <a:extLst>
+              <a:ext uri="{FF2B5EF4-FFF2-40B4-BE49-F238E27FC236}">
+                <a16:creationId xmlns:a16="http://schemas.microsoft.com/office/drawing/2014/main" id="{87E060E3-B2F3-D74E-816C-EBF68C7BFA7F}"/>
+              </a:ext>
+            </a:extLst>
+          </p:cNvPr>
+          <p:cNvSpPr>
+            <a:spLocks noGrp="1"/>
+          </p:cNvSpPr>
+          <p:nvPr>
+            <p:ph type="title"/>
+          </p:nvPr>
+        </p:nvSpPr>
+        <p:spPr>
+          <a:xfrm>
+            <a:off x="556532" y="643467"/>
+            <a:ext cx="11210925" cy="744836"/>
+          </a:xfrm>
+        </p:spPr>
+        <p:txBody>
+          <a:bodyPr vert="horz" lIns="91440" tIns="45720" rIns="91440" bIns="45720" rtlCol="0" anchor="ctr">
+            <a:normAutofit/>
+          </a:bodyPr>
+          <a:lstStyle/>
+          <a:p>
+            <a:pPr algn="ctr"/>
+            <a:r>
+              <a:rPr lang="en-US" sz="3200" kern="1200">
+                <a:solidFill>
+                  <a:schemeClr val="bg1"/>
+                </a:solidFill>
+                <a:latin typeface="+mj-lt"/>
+                <a:ea typeface="+mj-ea"/>
+                <a:cs typeface="+mj-cs"/>
+              </a:rPr>
+              <a:t>Prototype solution</a:t>
+            </a:r>
+          </a:p>
+        </p:txBody>
+      </p:sp>
+      <p:pic>
+        <p:nvPicPr>
+          <p:cNvPr id="5" name="Content Placeholder 4">
+            <a:extLst>
+              <a:ext uri="{FF2B5EF4-FFF2-40B4-BE49-F238E27FC236}">
+                <a16:creationId xmlns:a16="http://schemas.microsoft.com/office/drawing/2014/main" id="{5D5CA89E-AFB3-2E27-4179-ED6D669FE009}"/>
+              </a:ext>
+            </a:extLst>
+          </p:cNvPr>
+          <p:cNvPicPr>
+            <a:picLocks noGrp="1" noChangeAspect="1"/>
+          </p:cNvPicPr>
+          <p:nvPr>
+            <p:ph idx="1"/>
+          </p:nvPr>
+        </p:nvPicPr>
+        <p:blipFill>
+          <a:blip r:embed="rId2"/>
+          <a:stretch>
+            <a:fillRect/>
+          </a:stretch>
+        </p:blipFill>
+        <p:spPr>
+          <a:xfrm>
+            <a:off x="2934706" y="1675227"/>
+            <a:ext cx="6322587" cy="4394199"/>
+          </a:xfrm>
+          <a:prstGeom prst="rect">
+            <a:avLst/>
+          </a:prstGeom>
+        </p:spPr>
+      </p:pic>
+    </p:spTree>
+    <p:extLst>
+      <p:ext uri="{BB962C8B-B14F-4D97-AF65-F5344CB8AC3E}">
+        <p14:creationId xmlns:p14="http://schemas.microsoft.com/office/powerpoint/2010/main" val="538965328"/>
+      </p:ext>
+    </p:extLst>
+  </p:cSld>
+  <p:clrMapOvr>
+    <a:masterClrMapping/>
+  </p:clrMapOvr>
+</p:sld>
+</file>
+
+<file path=ppt/slides/slide14.xml><?xml version="1.0" encoding="utf-8"?>
+<p:sld xmlns:a="http://schemas.openxmlformats.org/drawingml/2006/main" xmlns:r="http://schemas.openxmlformats.org/officeDocument/2006/relationships" xmlns:p="http://schemas.openxmlformats.org/presentationml/2006/main">
+  <p:cSld>
+    <p:spTree>
+      <p:nvGrpSpPr>
+        <p:cNvPr id="1" name=""/>
+        <p:cNvGrpSpPr/>
+        <p:nvPr/>
+      </p:nvGrpSpPr>
+      <p:grpSpPr>
+        <a:xfrm>
+          <a:off x="0" y="0"/>
+          <a:ext cx="0" cy="0"/>
+          <a:chOff x="0" y="0"/>
+          <a:chExt cx="0" cy="0"/>
+        </a:xfrm>
+      </p:grpSpPr>
+      <p:sp>
+        <p:nvSpPr>
+          <p:cNvPr id="2" name="Title 1">
+            <a:extLst>
+              <a:ext uri="{FF2B5EF4-FFF2-40B4-BE49-F238E27FC236}">
+                <a16:creationId xmlns:a16="http://schemas.microsoft.com/office/drawing/2014/main" id="{87763A64-B5CF-DAEC-3B2A-245ED345D6CB}"/>
+              </a:ext>
+            </a:extLst>
+          </p:cNvPr>
+          <p:cNvSpPr>
+            <a:spLocks noGrp="1"/>
+          </p:cNvSpPr>
+          <p:nvPr>
+            <p:ph type="title"/>
+          </p:nvPr>
+        </p:nvSpPr>
+        <p:spPr/>
+        <p:txBody>
+          <a:bodyPr/>
+          <a:lstStyle/>
+          <a:p>
+            <a:r>
+              <a:rPr lang="en-US" dirty="0"/>
+              <a:t>When to use prototype?	</a:t>
+            </a:r>
+          </a:p>
+        </p:txBody>
+      </p:sp>
+      <p:sp>
+        <p:nvSpPr>
+          <p:cNvPr id="3" name="Content Placeholder 2">
+            <a:extLst>
+              <a:ext uri="{FF2B5EF4-FFF2-40B4-BE49-F238E27FC236}">
+                <a16:creationId xmlns:a16="http://schemas.microsoft.com/office/drawing/2014/main" id="{49F97004-DAC5-2052-F870-50685B227C13}"/>
+              </a:ext>
+            </a:extLst>
+          </p:cNvPr>
+          <p:cNvSpPr>
+            <a:spLocks noGrp="1"/>
+          </p:cNvSpPr>
+          <p:nvPr>
+            <p:ph idx="1"/>
+          </p:nvPr>
+        </p:nvSpPr>
+        <p:spPr/>
+        <p:txBody>
+          <a:bodyPr/>
+          <a:lstStyle/>
+          <a:p>
+            <a:r>
+              <a:rPr lang="en-US" b="0" i="0" dirty="0">
+                <a:solidFill>
+                  <a:srgbClr val="000000"/>
+                </a:solidFill>
+                <a:effectLst/>
+                <a:latin typeface="arial" panose="020B0604020202020204" pitchFamily="34" charset="0"/>
+              </a:rPr>
+              <a:t>when we want to create a Duplicate or Cloned Object from an Existing object to enhance the application’s performance</a:t>
+            </a:r>
+          </a:p>
+          <a:p>
+            <a:r>
+              <a:rPr lang="en-US" b="0" i="0" dirty="0">
+                <a:solidFill>
+                  <a:srgbClr val="000000"/>
+                </a:solidFill>
+                <a:effectLst/>
+                <a:latin typeface="arial" panose="020B0604020202020204" pitchFamily="34" charset="0"/>
+              </a:rPr>
+              <a:t>when creating an object is time-consuming, costly, and complex</a:t>
+            </a:r>
+          </a:p>
+          <a:p>
+            <a:endParaRPr lang="en-US" dirty="0">
+              <a:solidFill>
+                <a:srgbClr val="000000"/>
+              </a:solidFill>
+              <a:latin typeface="arial" panose="020B0604020202020204" pitchFamily="34" charset="0"/>
+            </a:endParaRPr>
+          </a:p>
+          <a:p>
+            <a:r>
+              <a:rPr lang="en-US" b="1" i="0" dirty="0">
+                <a:solidFill>
+                  <a:srgbClr val="000000"/>
+                </a:solidFill>
+                <a:effectLst/>
+                <a:latin typeface="arial" panose="020B0604020202020204" pitchFamily="34" charset="0"/>
+              </a:rPr>
+              <a:t>Object Pooling:</a:t>
+            </a:r>
+            <a:r>
+              <a:rPr lang="en-US" b="0" i="0" dirty="0">
+                <a:solidFill>
+                  <a:srgbClr val="000000"/>
+                </a:solidFill>
+                <a:effectLst/>
+                <a:latin typeface="arial" panose="020B0604020202020204" pitchFamily="34" charset="0"/>
+              </a:rPr>
+              <a:t> Real-time systems often use object pools (pre-instantiated objects ready to be reused) to manage resources efficiently, especially in high-load scenarios. The Prototype pattern can facilitate the management of such pools, allowing for the resetting and reusing of objects by cloning a clean prototype instead of recreating objects from scratch</a:t>
+            </a:r>
+            <a:endParaRPr lang="en-US" dirty="0"/>
+          </a:p>
+        </p:txBody>
+      </p:sp>
+    </p:spTree>
+    <p:extLst>
+      <p:ext uri="{BB962C8B-B14F-4D97-AF65-F5344CB8AC3E}">
+        <p14:creationId xmlns:p14="http://schemas.microsoft.com/office/powerpoint/2010/main" val="787612383"/>
+      </p:ext>
+    </p:extLst>
+  </p:cSld>
+  <p:clrMapOvr>
+    <a:masterClrMapping/>
+  </p:clrMapOvr>
+</p:sld>
+</file>
+
+<file path=ppt/slides/slide15.xml><?xml version="1.0" encoding="utf-8"?>
+<p:sld xmlns:a="http://schemas.openxmlformats.org/drawingml/2006/main" xmlns:r="http://schemas.openxmlformats.org/officeDocument/2006/relationships" xmlns:p="http://schemas.openxmlformats.org/presentationml/2006/main">
+  <p:cSld>
+    <p:bg>
+      <p:bgPr>
+        <a:solidFill>
+          <a:schemeClr val="bg1"/>
+        </a:solidFill>
+        <a:effectLst/>
+      </p:bgPr>
+    </p:bg>
+    <p:spTree>
+      <p:nvGrpSpPr>
+        <p:cNvPr id="1" name=""/>
+        <p:cNvGrpSpPr/>
+        <p:nvPr/>
+      </p:nvGrpSpPr>
+      <p:grpSpPr>
+        <a:xfrm>
+          <a:off x="0" y="0"/>
+          <a:ext cx="0" cy="0"/>
+          <a:chOff x="0" y="0"/>
+          <a:chExt cx="0" cy="0"/>
+        </a:xfrm>
+      </p:grpSpPr>
+      <p:pic>
+        <p:nvPicPr>
+          <p:cNvPr id="4" name="Content Placeholder 3">
+            <a:extLst>
+              <a:ext uri="{FF2B5EF4-FFF2-40B4-BE49-F238E27FC236}">
+                <a16:creationId xmlns:a16="http://schemas.microsoft.com/office/drawing/2014/main" id="{107DECCB-6E37-E857-7C21-5D3B5EDB3070}"/>
+              </a:ext>
+            </a:extLst>
+          </p:cNvPr>
+          <p:cNvPicPr>
+            <a:picLocks noGrp="1" noChangeAspect="1"/>
+          </p:cNvPicPr>
+          <p:nvPr>
+            <p:ph idx="1"/>
+          </p:nvPr>
+        </p:nvPicPr>
+        <p:blipFill>
+          <a:blip r:embed="rId2"/>
+          <a:stretch>
+            <a:fillRect/>
+          </a:stretch>
+        </p:blipFill>
+        <p:spPr>
+          <a:xfrm>
+            <a:off x="643467" y="798152"/>
+            <a:ext cx="10905066" cy="5261695"/>
+          </a:xfrm>
+          <a:prstGeom prst="rect">
+            <a:avLst/>
+          </a:prstGeom>
+        </p:spPr>
+      </p:pic>
+    </p:spTree>
+    <p:extLst>
+      <p:ext uri="{BB962C8B-B14F-4D97-AF65-F5344CB8AC3E}">
+        <p14:creationId xmlns:p14="http://schemas.microsoft.com/office/powerpoint/2010/main" val="1639615763"/>
+      </p:ext>
+    </p:extLst>
+  </p:cSld>
+  <p:clrMapOvr>
+    <a:masterClrMapping/>
+  </p:clrMapOvr>
+</p:sld>
+</file>
+
+<file path=ppt/slides/slide16.xml><?xml version="1.0" encoding="utf-8"?>
+<p:sld xmlns:a="http://schemas.openxmlformats.org/drawingml/2006/main" xmlns:r="http://schemas.openxmlformats.org/officeDocument/2006/relationships" xmlns:p="http://schemas.openxmlformats.org/presentationml/2006/main">
+  <p:cSld>
+    <p:spTree>
+      <p:nvGrpSpPr>
+        <p:cNvPr id="1" name=""/>
+        <p:cNvGrpSpPr/>
+        <p:nvPr/>
+      </p:nvGrpSpPr>
+      <p:grpSpPr>
+        <a:xfrm>
+          <a:off x="0" y="0"/>
+          <a:ext cx="0" cy="0"/>
+          <a:chOff x="0" y="0"/>
+          <a:chExt cx="0" cy="0"/>
+        </a:xfrm>
+      </p:grpSpPr>
+      <p:sp>
+        <p:nvSpPr>
+          <p:cNvPr id="2" name="Title 1">
+            <a:extLst>
+              <a:ext uri="{FF2B5EF4-FFF2-40B4-BE49-F238E27FC236}">
+                <a16:creationId xmlns:a16="http://schemas.microsoft.com/office/drawing/2014/main" id="{3DBBC755-F4DF-390F-77EA-C7D419C05457}"/>
+              </a:ext>
+            </a:extLst>
+          </p:cNvPr>
+          <p:cNvSpPr>
+            <a:spLocks noGrp="1"/>
+          </p:cNvSpPr>
+          <p:nvPr>
+            <p:ph type="title"/>
+          </p:nvPr>
+        </p:nvSpPr>
+        <p:spPr/>
+        <p:txBody>
+          <a:bodyPr/>
+          <a:lstStyle/>
+          <a:p>
+            <a:r>
+              <a:rPr lang="en-US" dirty="0"/>
+              <a:t>Builder design pattern	</a:t>
+            </a:r>
+          </a:p>
+        </p:txBody>
+      </p:sp>
+      <p:sp>
+        <p:nvSpPr>
+          <p:cNvPr id="3" name="Content Placeholder 2">
+            <a:extLst>
+              <a:ext uri="{FF2B5EF4-FFF2-40B4-BE49-F238E27FC236}">
+                <a16:creationId xmlns:a16="http://schemas.microsoft.com/office/drawing/2014/main" id="{CFA2AC2B-D68E-B304-E50A-0CE907B888B0}"/>
+              </a:ext>
+            </a:extLst>
+          </p:cNvPr>
+          <p:cNvSpPr>
+            <a:spLocks noGrp="1"/>
+          </p:cNvSpPr>
+          <p:nvPr>
+            <p:ph idx="1"/>
+          </p:nvPr>
+        </p:nvSpPr>
+        <p:spPr/>
+        <p:txBody>
+          <a:bodyPr/>
+          <a:lstStyle/>
+          <a:p>
+            <a:r>
+              <a:rPr lang="en-US" b="0" i="0" dirty="0">
+                <a:solidFill>
+                  <a:srgbClr val="000000"/>
+                </a:solidFill>
+                <a:effectLst/>
+                <a:latin typeface="arial" panose="020B0604020202020204" pitchFamily="34" charset="0"/>
+              </a:rPr>
+              <a:t>Builder Design Pattern builds a complex object using many simple objects and a step-by-step approach</a:t>
+            </a:r>
+          </a:p>
+          <a:p>
+            <a:endParaRPr lang="en-US" dirty="0">
+              <a:solidFill>
+                <a:srgbClr val="000000"/>
+              </a:solidFill>
+              <a:latin typeface="arial" panose="020B0604020202020204" pitchFamily="34" charset="0"/>
+            </a:endParaRPr>
+          </a:p>
+          <a:p>
+            <a:r>
+              <a:rPr lang="en-US" b="0" i="0" dirty="0">
+                <a:solidFill>
+                  <a:srgbClr val="000000"/>
+                </a:solidFill>
+                <a:effectLst/>
+                <a:latin typeface="arial" panose="020B0604020202020204" pitchFamily="34" charset="0"/>
+              </a:rPr>
+              <a:t>The Process of constructing the complex object should be so generic that the same construction process can be used to create different representations of the same complex object.</a:t>
+            </a:r>
+            <a:endParaRPr lang="en-US" dirty="0"/>
+          </a:p>
+        </p:txBody>
+      </p:sp>
+    </p:spTree>
+    <p:extLst>
+      <p:ext uri="{BB962C8B-B14F-4D97-AF65-F5344CB8AC3E}">
+        <p14:creationId xmlns:p14="http://schemas.microsoft.com/office/powerpoint/2010/main" val="3805449708"/>
+      </p:ext>
+    </p:extLst>
+  </p:cSld>
+  <p:clrMapOvr>
+    <a:masterClrMapping/>
+  </p:clrMapOvr>
+</p:sld>
+</file>
+
+<file path=ppt/slides/slide17.xml><?xml version="1.0" encoding="utf-8"?>
+<p:sld xmlns:a="http://schemas.openxmlformats.org/drawingml/2006/main" xmlns:r="http://schemas.openxmlformats.org/officeDocument/2006/relationships" xmlns:p="http://schemas.openxmlformats.org/presentationml/2006/main">
+  <p:cSld>
+    <p:bg>
+      <p:bgPr>
+        <a:solidFill>
+          <a:schemeClr val="bg1"/>
+        </a:solidFill>
+        <a:effectLst/>
+      </p:bgPr>
+    </p:bg>
+    <p:spTree>
+      <p:nvGrpSpPr>
+        <p:cNvPr id="1" name=""/>
+        <p:cNvGrpSpPr/>
+        <p:nvPr/>
+      </p:nvGrpSpPr>
+      <p:grpSpPr>
+        <a:xfrm>
+          <a:off x="0" y="0"/>
+          <a:ext cx="0" cy="0"/>
+          <a:chOff x="0" y="0"/>
+          <a:chExt cx="0" cy="0"/>
+        </a:xfrm>
+      </p:grpSpPr>
+      <p:sp useBgFill="1">
+        <p:nvSpPr>
+          <p:cNvPr id="28" name="Rectangle 27">
+            <a:extLst>
+              <a:ext uri="{FF2B5EF4-FFF2-40B4-BE49-F238E27FC236}">
+                <a16:creationId xmlns:a16="http://schemas.microsoft.com/office/drawing/2014/main" id="{F0A604E4-7307-451C-93BE-F1F7E1BF3BF8}"/>
+              </a:ext>
+              <a:ext uri="{C183D7F6-B498-43B3-948B-1728B52AA6E4}">
+                <adec:decorative xmlns:adec="http://schemas.microsoft.com/office/drawing/2017/decorative" val="1"/>
+              </a:ext>
+            </a:extLst>
+          </p:cNvPr>
+          <p:cNvSpPr>
+            <a:spLocks noGrp="1" noRot="1" noChangeAspect="1" noMove="1" noResize="1" noEditPoints="1" noAdjustHandles="1" noChangeArrowheads="1" noChangeShapeType="1" noTextEdit="1"/>
+          </p:cNvSpPr>
+          <p:nvPr>
+            <p:extLst>
+              <p:ext uri="{386F3935-93C4-4BCD-93E2-E3B085C9AB24}">
+                <p16:designElem xmlns:p16="http://schemas.microsoft.com/office/powerpoint/2015/main" val="1"/>
+              </p:ext>
+            </p:extLst>
+          </p:nvPr>
+        </p:nvSpPr>
+        <p:spPr>
+          <a:xfrm>
+            <a:off x="-2" y="0"/>
+            <a:ext cx="12192004" cy="6858000"/>
+          </a:xfrm>
+          <a:prstGeom prst="rect">
+            <a:avLst/>
+          </a:prstGeom>
+          <a:ln>
+            <a:noFill/>
+          </a:ln>
+        </p:spPr>
+        <p:style>
+          <a:lnRef idx="2">
+            <a:schemeClr val="accent1">
+              <a:shade val="50000"/>
+            </a:schemeClr>
+          </a:lnRef>
+          <a:fillRef idx="1">
+            <a:schemeClr val="accent1"/>
+          </a:fillRef>
+          <a:effectRef idx="0">
+            <a:schemeClr val="accent1"/>
+          </a:effectRef>
+          <a:fontRef idx="minor">
+            <a:schemeClr val="lt1"/>
+          </a:fontRef>
+        </p:style>
+        <p:txBody>
+          <a:bodyPr rtlCol="0" anchor="ctr"/>
+          <a:lstStyle/>
+          <a:p>
+            <a:pPr algn="ctr"/>
+            <a:endParaRPr lang="en-US"/>
+          </a:p>
+        </p:txBody>
+      </p:sp>
+      <p:sp>
+        <p:nvSpPr>
+          <p:cNvPr id="27" name="Rectangle 26">
+            <a:extLst>
+              <a:ext uri="{FF2B5EF4-FFF2-40B4-BE49-F238E27FC236}">
+                <a16:creationId xmlns:a16="http://schemas.microsoft.com/office/drawing/2014/main" id="{F7F3A0AA-35E5-4085-942B-737839030604}"/>
+              </a:ext>
+              <a:ext uri="{C183D7F6-B498-43B3-948B-1728B52AA6E4}">
+                <adec:decorative xmlns:adec="http://schemas.microsoft.com/office/drawing/2017/decorative" val="1"/>
+              </a:ext>
+            </a:extLst>
+          </p:cNvPr>
+          <p:cNvSpPr>
+            <a:spLocks noGrp="1" noRot="1" noChangeAspect="1" noMove="1" noResize="1" noEditPoints="1" noAdjustHandles="1" noChangeArrowheads="1" noChangeShapeType="1" noTextEdit="1"/>
+          </p:cNvSpPr>
+          <p:nvPr>
+            <p:extLst>
+              <p:ext uri="{386F3935-93C4-4BCD-93E2-E3B085C9AB24}">
+                <p16:designElem xmlns:p16="http://schemas.microsoft.com/office/powerpoint/2015/main" val="1"/>
+              </p:ext>
+            </p:extLst>
+          </p:nvPr>
+        </p:nvSpPr>
+        <p:spPr>
+          <a:xfrm flipH="1">
+            <a:off x="-1" y="5282344"/>
+            <a:ext cx="12191998" cy="1590742"/>
+          </a:xfrm>
+          <a:prstGeom prst="rect">
+            <a:avLst/>
+          </a:prstGeom>
+          <a:gradFill>
+            <a:gsLst>
+              <a:gs pos="34000">
+                <a:srgbClr val="000000">
+                  <a:alpha val="96000"/>
+                </a:srgbClr>
+              </a:gs>
+              <a:gs pos="100000">
+                <a:schemeClr val="accent1"/>
+              </a:gs>
+            </a:gsLst>
+            <a:lin ang="8400000" scaled="0"/>
+          </a:gradFill>
+          <a:ln>
+            <a:noFill/>
+          </a:ln>
+        </p:spPr>
+        <p:style>
+          <a:lnRef idx="2">
+            <a:schemeClr val="accent1">
+              <a:shade val="50000"/>
+            </a:schemeClr>
+          </a:lnRef>
+          <a:fillRef idx="1">
+            <a:schemeClr val="accent1"/>
+          </a:fillRef>
+          <a:effectRef idx="0">
+            <a:schemeClr val="accent1"/>
+          </a:effectRef>
+          <a:fontRef idx="minor">
+            <a:schemeClr val="lt1"/>
+          </a:fontRef>
+        </p:style>
+        <p:txBody>
+          <a:bodyPr rtlCol="0" anchor="ctr"/>
+          <a:lstStyle/>
+          <a:p>
+            <a:pPr algn="ctr"/>
+            <a:endParaRPr lang="en-US"/>
+          </a:p>
+        </p:txBody>
+      </p:sp>
+      <p:sp>
+        <p:nvSpPr>
+          <p:cNvPr id="29" name="Rectangle 28">
+            <a:extLst>
+              <a:ext uri="{FF2B5EF4-FFF2-40B4-BE49-F238E27FC236}">
+                <a16:creationId xmlns:a16="http://schemas.microsoft.com/office/drawing/2014/main" id="{402F5C38-C747-4173-ABBF-656E39E82130}"/>
+              </a:ext>
+              <a:ext uri="{C183D7F6-B498-43B3-948B-1728B52AA6E4}">
+                <adec:decorative xmlns:adec="http://schemas.microsoft.com/office/drawing/2017/decorative" val="1"/>
+              </a:ext>
+            </a:extLst>
+          </p:cNvPr>
+          <p:cNvSpPr>
+            <a:spLocks noGrp="1" noRot="1" noChangeAspect="1" noMove="1" noResize="1" noEditPoints="1" noAdjustHandles="1" noChangeArrowheads="1" noChangeShapeType="1" noTextEdit="1"/>
+          </p:cNvSpPr>
+          <p:nvPr>
+            <p:extLst>
+              <p:ext uri="{386F3935-93C4-4BCD-93E2-E3B085C9AB24}">
+                <p16:designElem xmlns:p16="http://schemas.microsoft.com/office/powerpoint/2015/main" val="1"/>
+              </p:ext>
+            </p:extLst>
+          </p:nvPr>
+        </p:nvSpPr>
+        <p:spPr>
+          <a:xfrm flipH="1">
+            <a:off x="-4" y="5282344"/>
+            <a:ext cx="8115300" cy="1590742"/>
+          </a:xfrm>
+          <a:prstGeom prst="rect">
+            <a:avLst/>
+          </a:prstGeom>
+          <a:gradFill>
+            <a:gsLst>
+              <a:gs pos="28000">
+                <a:schemeClr val="accent1">
+                  <a:lumMod val="75000"/>
+                  <a:alpha val="59000"/>
+                </a:schemeClr>
+              </a:gs>
+              <a:gs pos="100000">
+                <a:srgbClr val="000000">
+                  <a:alpha val="70000"/>
+                </a:srgbClr>
+              </a:gs>
+            </a:gsLst>
+            <a:lin ang="11400000" scaled="0"/>
+          </a:gradFill>
+          <a:ln>
+            <a:noFill/>
+          </a:ln>
+        </p:spPr>
+        <p:style>
+          <a:lnRef idx="2">
+            <a:schemeClr val="accent1">
+              <a:shade val="50000"/>
+            </a:schemeClr>
+          </a:lnRef>
+          <a:fillRef idx="1">
+            <a:schemeClr val="accent1"/>
+          </a:fillRef>
+          <a:effectRef idx="0">
+            <a:schemeClr val="accent1"/>
+          </a:effectRef>
+          <a:fontRef idx="minor">
+            <a:schemeClr val="lt1"/>
+          </a:fontRef>
+        </p:style>
+        <p:txBody>
+          <a:bodyPr rtlCol="0" anchor="ctr"/>
+          <a:lstStyle/>
+          <a:p>
+            <a:pPr algn="ctr"/>
+            <a:endParaRPr lang="en-US"/>
+          </a:p>
+        </p:txBody>
+      </p:sp>
+      <p:sp>
+        <p:nvSpPr>
+          <p:cNvPr id="31" name="Rectangle 30">
+            <a:extLst>
+              <a:ext uri="{FF2B5EF4-FFF2-40B4-BE49-F238E27FC236}">
+                <a16:creationId xmlns:a16="http://schemas.microsoft.com/office/drawing/2014/main" id="{E37EECFC-A684-4391-AE85-4CDAF5565F61}"/>
+              </a:ext>
+              <a:ext uri="{C183D7F6-B498-43B3-948B-1728B52AA6E4}">
+                <adec:decorative xmlns:adec="http://schemas.microsoft.com/office/drawing/2017/decorative" val="1"/>
+              </a:ext>
+            </a:extLst>
+          </p:cNvPr>
+          <p:cNvSpPr>
+            <a:spLocks noGrp="1" noRot="1" noChangeAspect="1" noMove="1" noResize="1" noEditPoints="1" noAdjustHandles="1" noChangeArrowheads="1" noChangeShapeType="1" noTextEdit="1"/>
+          </p:cNvSpPr>
+          <p:nvPr>
+            <p:extLst>
+              <p:ext uri="{386F3935-93C4-4BCD-93E2-E3B085C9AB24}">
+                <p16:designElem xmlns:p16="http://schemas.microsoft.com/office/powerpoint/2015/main" val="1"/>
+              </p:ext>
+            </p:extLst>
+          </p:nvPr>
+        </p:nvSpPr>
+        <p:spPr>
+          <a:xfrm flipH="1">
+            <a:off x="-4" y="5282344"/>
+            <a:ext cx="12191998" cy="1590742"/>
+          </a:xfrm>
+          <a:prstGeom prst="rect">
+            <a:avLst/>
+          </a:prstGeom>
+          <a:gradFill>
+            <a:gsLst>
+              <a:gs pos="0">
+                <a:srgbClr val="000000">
+                  <a:alpha val="71765"/>
+                </a:srgbClr>
+              </a:gs>
+              <a:gs pos="100000">
+                <a:schemeClr val="accent1">
+                  <a:alpha val="0"/>
+                </a:schemeClr>
+              </a:gs>
+            </a:gsLst>
+            <a:lin ang="15600000" scaled="0"/>
+          </a:gradFill>
+          <a:ln>
+            <a:noFill/>
+          </a:ln>
+        </p:spPr>
+        <p:style>
+          <a:lnRef idx="2">
+            <a:schemeClr val="accent1">
+              <a:shade val="50000"/>
+            </a:schemeClr>
+          </a:lnRef>
+          <a:fillRef idx="1">
+            <a:schemeClr val="accent1"/>
+          </a:fillRef>
+          <a:effectRef idx="0">
+            <a:schemeClr val="accent1"/>
+          </a:effectRef>
+          <a:fontRef idx="minor">
+            <a:schemeClr val="lt1"/>
+          </a:fontRef>
+        </p:style>
+        <p:txBody>
+          <a:bodyPr rtlCol="0" anchor="ctr"/>
+          <a:lstStyle/>
+          <a:p>
+            <a:pPr algn="ctr"/>
+            <a:endParaRPr lang="en-US"/>
+          </a:p>
+        </p:txBody>
+      </p:sp>
+      <p:sp>
+        <p:nvSpPr>
+          <p:cNvPr id="2" name="Title 1">
+            <a:extLst>
+              <a:ext uri="{FF2B5EF4-FFF2-40B4-BE49-F238E27FC236}">
+                <a16:creationId xmlns:a16="http://schemas.microsoft.com/office/drawing/2014/main" id="{AEBC5030-CB69-7492-8AFA-2D14869E4BE8}"/>
+              </a:ext>
+            </a:extLst>
+          </p:cNvPr>
+          <p:cNvSpPr>
+            <a:spLocks noGrp="1"/>
+          </p:cNvSpPr>
+          <p:nvPr>
+            <p:ph type="title"/>
+          </p:nvPr>
+        </p:nvSpPr>
+        <p:spPr>
+          <a:xfrm>
+            <a:off x="699714" y="5490971"/>
+            <a:ext cx="6962072" cy="1159200"/>
+          </a:xfrm>
+        </p:spPr>
+        <p:txBody>
+          <a:bodyPr vert="horz" lIns="91440" tIns="45720" rIns="91440" bIns="45720" rtlCol="0" anchor="ctr">
+            <a:normAutofit/>
+          </a:bodyPr>
+          <a:lstStyle/>
+          <a:p>
+            <a:r>
+              <a:rPr lang="en-US" sz="4000" kern="1200">
+                <a:solidFill>
+                  <a:srgbClr val="FFFFFF"/>
+                </a:solidFill>
+                <a:latin typeface="+mj-lt"/>
+                <a:ea typeface="+mj-ea"/>
+                <a:cs typeface="+mj-cs"/>
+              </a:rPr>
+              <a:t>Process</a:t>
+            </a:r>
+          </a:p>
+        </p:txBody>
+      </p:sp>
+      <p:pic>
+        <p:nvPicPr>
+          <p:cNvPr id="4" name="Content Placeholder 3" descr="A diagram of a computer&#10;&#10;AI-generated content may be incorrect.">
+            <a:extLst>
+              <a:ext uri="{FF2B5EF4-FFF2-40B4-BE49-F238E27FC236}">
+                <a16:creationId xmlns:a16="http://schemas.microsoft.com/office/drawing/2014/main" id="{88476861-D61B-3168-37E0-B948067AD32B}"/>
+              </a:ext>
+            </a:extLst>
+          </p:cNvPr>
+          <p:cNvPicPr>
+            <a:picLocks noChangeAspect="1"/>
+          </p:cNvPicPr>
+          <p:nvPr/>
+        </p:nvPicPr>
+        <p:blipFill>
+          <a:blip r:embed="rId2"/>
+          <a:srcRect t="7586" b="18966"/>
+          <a:stretch/>
+        </p:blipFill>
+        <p:spPr>
+          <a:xfrm>
+            <a:off x="478535" y="799219"/>
+            <a:ext cx="11327549" cy="3702339"/>
+          </a:xfrm>
+          <a:prstGeom prst="rect">
+            <a:avLst/>
+          </a:prstGeom>
+        </p:spPr>
+      </p:pic>
+    </p:spTree>
+    <p:extLst>
+      <p:ext uri="{BB962C8B-B14F-4D97-AF65-F5344CB8AC3E}">
+        <p14:creationId xmlns:p14="http://schemas.microsoft.com/office/powerpoint/2010/main" val="3492912748"/>
+      </p:ext>
+    </p:extLst>
+  </p:cSld>
+  <p:clrMapOvr>
+    <a:masterClrMapping/>
+  </p:clrMapOvr>
+</p:sld>
+</file>
+
+<file path=ppt/slides/slide18.xml><?xml version="1.0" encoding="utf-8"?>
+<p:sld xmlns:a="http://schemas.openxmlformats.org/drawingml/2006/main" xmlns:r="http://schemas.openxmlformats.org/officeDocument/2006/relationships" xmlns:p="http://schemas.openxmlformats.org/presentationml/2006/main">
+  <p:cSld>
+    <p:bg>
+      <p:bgPr>
+        <a:solidFill>
+          <a:schemeClr val="bg1"/>
+        </a:solidFill>
+        <a:effectLst/>
+      </p:bgPr>
+    </p:bg>
+    <p:spTree>
+      <p:nvGrpSpPr>
+        <p:cNvPr id="1" name=""/>
+        <p:cNvGrpSpPr/>
+        <p:nvPr/>
+      </p:nvGrpSpPr>
+      <p:grpSpPr>
+        <a:xfrm>
+          <a:off x="0" y="0"/>
+          <a:ext cx="0" cy="0"/>
+          <a:chOff x="0" y="0"/>
+          <a:chExt cx="0" cy="0"/>
+        </a:xfrm>
+      </p:grpSpPr>
+      <p:sp useBgFill="1">
+        <p:nvSpPr>
+          <p:cNvPr id="10" name="Rectangle 9">
+            <a:extLst>
+              <a:ext uri="{FF2B5EF4-FFF2-40B4-BE49-F238E27FC236}">
+                <a16:creationId xmlns:a16="http://schemas.microsoft.com/office/drawing/2014/main" id="{A8384FB5-9ADC-4DDC-881B-597D56F5B15D}"/>
+              </a:ext>
+              <a:ext uri="{C183D7F6-B498-43B3-948B-1728B52AA6E4}">
+                <adec:decorative xmlns:adec="http://schemas.microsoft.com/office/drawing/2017/decorative" val="1"/>
+              </a:ext>
+            </a:extLst>
+          </p:cNvPr>
+          <p:cNvSpPr>
+            <a:spLocks noGrp="1" noRot="1" noChangeAspect="1" noMove="1" noResize="1" noEditPoints="1" noAdjustHandles="1" noChangeArrowheads="1" noChangeShapeType="1" noTextEdit="1"/>
+          </p:cNvSpPr>
+          <p:nvPr>
+            <p:extLst>
+              <p:ext uri="{386F3935-93C4-4BCD-93E2-E3B085C9AB24}">
+                <p16:designElem xmlns:p16="http://schemas.microsoft.com/office/powerpoint/2015/main" val="1"/>
+              </p:ext>
+            </p:extLst>
+          </p:nvPr>
+        </p:nvSpPr>
+        <p:spPr>
+          <a:xfrm>
+            <a:off x="0" y="0"/>
+            <a:ext cx="12192000" cy="6858000"/>
+          </a:xfrm>
+          <a:prstGeom prst="rect">
+            <a:avLst/>
+          </a:prstGeom>
+          <a:ln w="12700" cap="flat" cmpd="sng" algn="ctr">
+            <a:noFill/>
+            <a:prstDash val="solid"/>
+            <a:miter lim="800000"/>
+          </a:ln>
+          <a:effectLst/>
+          <a:extLst>
+            <a:ext uri="{91240B29-F687-4F45-9708-019B960494DF}">
+              <a14:hiddenLine xmlns:a14="http://schemas.microsoft.com/office/drawing/2010/main" w="12700" cap="flat" cmpd="sng" algn="ctr">
+                <a:solidFill>
+                  <a:schemeClr val="accent1">
+                    <a:shade val="50000"/>
+                  </a:schemeClr>
+                </a:solidFill>
+                <a:prstDash val="solid"/>
+                <a:miter lim="800000"/>
+              </a14:hiddenLine>
+            </a:ext>
+          </a:extLst>
+        </p:spPr>
+        <p:style>
+          <a:lnRef idx="2">
+            <a:schemeClr val="accent1">
+              <a:shade val="50000"/>
+            </a:schemeClr>
+          </a:lnRef>
+          <a:fillRef idx="1">
+            <a:schemeClr val="accent1"/>
+          </a:fillRef>
+          <a:effectRef idx="0">
+            <a:schemeClr val="accent1"/>
+          </a:effectRef>
+          <a:fontRef idx="minor">
+            <a:schemeClr val="lt1"/>
+          </a:fontRef>
+        </p:style>
+        <p:txBody>
+          <a:bodyPr rtlCol="0" anchor="ctr"/>
+          <a:lstStyle/>
+          <a:p>
+            <a:pPr algn="ctr"/>
+            <a:endParaRPr lang="en-US"/>
+          </a:p>
+        </p:txBody>
+      </p:sp>
+      <p:sp>
+        <p:nvSpPr>
+          <p:cNvPr id="12" name="Rectangle 11">
+            <a:extLst>
+              <a:ext uri="{FF2B5EF4-FFF2-40B4-BE49-F238E27FC236}">
+                <a16:creationId xmlns:a16="http://schemas.microsoft.com/office/drawing/2014/main" id="{91E5A9A7-95C6-4F4F-B00E-C82E07FE62EF}"/>
+              </a:ext>
+              <a:ext uri="{C183D7F6-B498-43B3-948B-1728B52AA6E4}">
+                <adec:decorative xmlns:adec="http://schemas.microsoft.com/office/drawing/2017/decorative" val="1"/>
+              </a:ext>
+            </a:extLst>
+          </p:cNvPr>
+          <p:cNvSpPr>
+            <a:spLocks noGrp="1" noRot="1" noChangeAspect="1" noMove="1" noResize="1" noEditPoints="1" noAdjustHandles="1" noChangeArrowheads="1" noChangeShapeType="1" noTextEdit="1"/>
+          </p:cNvSpPr>
+          <p:nvPr>
+            <p:extLst>
+              <p:ext uri="{386F3935-93C4-4BCD-93E2-E3B085C9AB24}">
+                <p16:designElem xmlns:p16="http://schemas.microsoft.com/office/powerpoint/2015/main" val="1"/>
+              </p:ext>
+            </p:extLst>
+          </p:nvPr>
+        </p:nvSpPr>
+        <p:spPr>
+          <a:xfrm rot="5400000" flipH="1">
+            <a:off x="-1417539" y="1417538"/>
+            <a:ext cx="6875818" cy="4040744"/>
+          </a:xfrm>
+          <a:prstGeom prst="rect">
+            <a:avLst/>
+          </a:prstGeom>
+          <a:gradFill>
+            <a:gsLst>
+              <a:gs pos="0">
+                <a:srgbClr val="000000"/>
+              </a:gs>
+              <a:gs pos="100000">
+                <a:schemeClr val="accent1">
+                  <a:lumMod val="75000"/>
+                </a:schemeClr>
+              </a:gs>
+            </a:gsLst>
+            <a:lin ang="18600000" scaled="0"/>
+          </a:gradFill>
+          <a:ln>
+            <a:noFill/>
+          </a:ln>
+        </p:spPr>
+        <p:style>
+          <a:lnRef idx="2">
+            <a:schemeClr val="accent1">
+              <a:shade val="50000"/>
+            </a:schemeClr>
+          </a:lnRef>
+          <a:fillRef idx="1">
+            <a:schemeClr val="accent1"/>
+          </a:fillRef>
+          <a:effectRef idx="0">
+            <a:schemeClr val="accent1"/>
+          </a:effectRef>
+          <a:fontRef idx="minor">
+            <a:schemeClr val="lt1"/>
+          </a:fontRef>
+        </p:style>
+        <p:txBody>
+          <a:bodyPr rtlCol="0" anchor="ctr"/>
+          <a:lstStyle/>
+          <a:p>
+            <a:pPr algn="ctr"/>
+            <a:endParaRPr lang="en-US" dirty="0"/>
+          </a:p>
+        </p:txBody>
+      </p:sp>
+      <p:sp>
+        <p:nvSpPr>
+          <p:cNvPr id="14" name="Rectangle 13">
+            <a:extLst>
+              <a:ext uri="{FF2B5EF4-FFF2-40B4-BE49-F238E27FC236}">
+                <a16:creationId xmlns:a16="http://schemas.microsoft.com/office/drawing/2014/main" id="{D07DD2DE-F619-49DD-B5E7-03A290FF4ED1}"/>
+              </a:ext>
+              <a:ext uri="{C183D7F6-B498-43B3-948B-1728B52AA6E4}">
+                <adec:decorative xmlns:adec="http://schemas.microsoft.com/office/drawing/2017/decorative" val="1"/>
+              </a:ext>
+            </a:extLst>
+          </p:cNvPr>
+          <p:cNvSpPr>
+            <a:spLocks noGrp="1" noRot="1" noChangeAspect="1" noMove="1" noResize="1" noEditPoints="1" noAdjustHandles="1" noChangeArrowheads="1" noChangeShapeType="1" noTextEdit="1"/>
+          </p:cNvSpPr>
+          <p:nvPr>
+            <p:extLst>
+              <p:ext uri="{386F3935-93C4-4BCD-93E2-E3B085C9AB24}">
+                <p16:designElem xmlns:p16="http://schemas.microsoft.com/office/powerpoint/2015/main" val="1"/>
+              </p:ext>
+            </p:extLst>
+          </p:nvPr>
+        </p:nvSpPr>
+        <p:spPr>
+          <a:xfrm rot="16200000">
+            <a:off x="-158495" y="2660473"/>
+            <a:ext cx="4355594" cy="4038603"/>
+          </a:xfrm>
+          <a:prstGeom prst="rect">
+            <a:avLst/>
+          </a:prstGeom>
+          <a:gradFill>
+            <a:gsLst>
+              <a:gs pos="0">
+                <a:schemeClr val="accent1">
+                  <a:alpha val="50000"/>
+                </a:schemeClr>
+              </a:gs>
+              <a:gs pos="100000">
+                <a:schemeClr val="accent1">
+                  <a:lumMod val="50000"/>
+                  <a:alpha val="0"/>
+                </a:schemeClr>
+              </a:gs>
+            </a:gsLst>
+            <a:lin ang="11400000" scaled="0"/>
+          </a:gradFill>
+          <a:ln>
+            <a:noFill/>
+          </a:ln>
+        </p:spPr>
+        <p:style>
+          <a:lnRef idx="2">
+            <a:schemeClr val="accent1">
+              <a:shade val="50000"/>
+            </a:schemeClr>
+          </a:lnRef>
+          <a:fillRef idx="1">
+            <a:schemeClr val="accent1"/>
+          </a:fillRef>
+          <a:effectRef idx="0">
+            <a:schemeClr val="accent1"/>
+          </a:effectRef>
+          <a:fontRef idx="minor">
+            <a:schemeClr val="lt1"/>
+          </a:fontRef>
+        </p:style>
+        <p:txBody>
+          <a:bodyPr rtlCol="0" anchor="ctr"/>
+          <a:lstStyle/>
+          <a:p>
+            <a:pPr algn="ctr"/>
+            <a:endParaRPr lang="en-US"/>
+          </a:p>
+        </p:txBody>
+      </p:sp>
+      <p:sp>
+        <p:nvSpPr>
+          <p:cNvPr id="16" name="Rectangle 15">
+            <a:extLst>
+              <a:ext uri="{FF2B5EF4-FFF2-40B4-BE49-F238E27FC236}">
+                <a16:creationId xmlns:a16="http://schemas.microsoft.com/office/drawing/2014/main" id="{85149191-5F60-4A28-AAFF-039F96B0F3EC}"/>
+              </a:ext>
+              <a:ext uri="{C183D7F6-B498-43B3-948B-1728B52AA6E4}">
+                <adec:decorative xmlns:adec="http://schemas.microsoft.com/office/drawing/2017/decorative" val="1"/>
+              </a:ext>
+            </a:extLst>
+          </p:cNvPr>
+          <p:cNvSpPr>
+            <a:spLocks noGrp="1" noRot="1" noChangeAspect="1" noMove="1" noResize="1" noEditPoints="1" noAdjustHandles="1" noChangeArrowheads="1" noChangeShapeType="1" noTextEdit="1"/>
+          </p:cNvSpPr>
+          <p:nvPr>
+            <p:extLst>
+              <p:ext uri="{386F3935-93C4-4BCD-93E2-E3B085C9AB24}">
+                <p16:designElem xmlns:p16="http://schemas.microsoft.com/office/powerpoint/2015/main" val="1"/>
+              </p:ext>
+            </p:extLst>
+          </p:nvPr>
+        </p:nvSpPr>
+        <p:spPr>
+          <a:xfrm rot="16200000" flipH="1">
+            <a:off x="-1180882" y="1638085"/>
+            <a:ext cx="6857572" cy="3581401"/>
+          </a:xfrm>
+          <a:prstGeom prst="rect">
+            <a:avLst/>
+          </a:prstGeom>
+          <a:gradFill>
+            <a:gsLst>
+              <a:gs pos="0">
+                <a:srgbClr val="000000">
+                  <a:alpha val="59000"/>
+                </a:srgbClr>
+              </a:gs>
+              <a:gs pos="69000">
+                <a:schemeClr val="accent1">
+                  <a:alpha val="0"/>
+                </a:schemeClr>
+              </a:gs>
+            </a:gsLst>
+            <a:lin ang="13200000" scaled="0"/>
+          </a:gradFill>
+          <a:ln>
+            <a:noFill/>
+          </a:ln>
+        </p:spPr>
+        <p:style>
+          <a:lnRef idx="2">
+            <a:schemeClr val="accent1">
+              <a:shade val="50000"/>
+            </a:schemeClr>
+          </a:lnRef>
+          <a:fillRef idx="1">
+            <a:schemeClr val="accent1"/>
+          </a:fillRef>
+          <a:effectRef idx="0">
+            <a:schemeClr val="accent1"/>
+          </a:effectRef>
+          <a:fontRef idx="minor">
+            <a:schemeClr val="lt1"/>
+          </a:fontRef>
+        </p:style>
+        <p:txBody>
+          <a:bodyPr rtlCol="0" anchor="ctr"/>
+          <a:lstStyle/>
+          <a:p>
+            <a:pPr algn="ctr"/>
+            <a:endParaRPr lang="en-US" dirty="0"/>
+          </a:p>
+        </p:txBody>
+      </p:sp>
+      <p:sp>
+        <p:nvSpPr>
+          <p:cNvPr id="18" name="Freeform: Shape 17">
+            <a:extLst>
+              <a:ext uri="{FF2B5EF4-FFF2-40B4-BE49-F238E27FC236}">
+                <a16:creationId xmlns:a16="http://schemas.microsoft.com/office/drawing/2014/main" id="{F8260ED5-17F7-4158-B241-D51DD4CF1B7E}"/>
+              </a:ext>
+              <a:ext uri="{C183D7F6-B498-43B3-948B-1728B52AA6E4}">
+                <adec:decorative xmlns:adec="http://schemas.microsoft.com/office/drawing/2017/decorative" val="1"/>
+              </a:ext>
+            </a:extLst>
+          </p:cNvPr>
+          <p:cNvSpPr>
+            <a:spLocks noGrp="1" noRot="1" noChangeAspect="1" noMove="1" noResize="1" noEditPoints="1" noAdjustHandles="1" noChangeArrowheads="1" noChangeShapeType="1" noTextEdit="1"/>
+          </p:cNvSpPr>
+          <p:nvPr>
+            <p:extLst>
+              <p:ext uri="{386F3935-93C4-4BCD-93E2-E3B085C9AB24}">
+                <p16:designElem xmlns:p16="http://schemas.microsoft.com/office/powerpoint/2015/main" val="1"/>
+              </p:ext>
+            </p:extLst>
+          </p:nvPr>
+        </p:nvSpPr>
+        <p:spPr>
+          <a:xfrm rot="6097846">
+            <a:off x="-747355" y="1201312"/>
+            <a:ext cx="4808302" cy="4088666"/>
+          </a:xfrm>
+          <a:custGeom>
+            <a:avLst/>
+            <a:gdLst>
+              <a:gd name="connsiteX0" fmla="*/ 48844 w 4808302"/>
+              <a:gd name="connsiteY0" fmla="*/ 2888671 h 4088666"/>
+              <a:gd name="connsiteX1" fmla="*/ 0 w 4808302"/>
+              <a:gd name="connsiteY1" fmla="*/ 2404151 h 4088666"/>
+              <a:gd name="connsiteX2" fmla="*/ 2404151 w 4808302"/>
+              <a:gd name="connsiteY2" fmla="*/ 0 h 4088666"/>
+              <a:gd name="connsiteX3" fmla="*/ 4808302 w 4808302"/>
+              <a:gd name="connsiteY3" fmla="*/ 2404151 h 4088666"/>
+              <a:gd name="connsiteX4" fmla="*/ 4700216 w 4808302"/>
+              <a:gd name="connsiteY4" fmla="*/ 3119072 h 4088666"/>
+              <a:gd name="connsiteX5" fmla="*/ 4643143 w 4808302"/>
+              <a:gd name="connsiteY5" fmla="*/ 3275009 h 4088666"/>
+              <a:gd name="connsiteX6" fmla="*/ 690093 w 4808302"/>
+              <a:gd name="connsiteY6" fmla="*/ 4088666 h 4088666"/>
+              <a:gd name="connsiteX7" fmla="*/ 548991 w 4808302"/>
+              <a:gd name="connsiteY7" fmla="*/ 3933414 h 4088666"/>
+              <a:gd name="connsiteX8" fmla="*/ 48844 w 4808302"/>
+              <a:gd name="connsiteY8" fmla="*/ 2888671 h 4088666"/>
+            </a:gdLst>
+            <a:ahLst/>
+            <a:cxnLst>
+              <a:cxn ang="0">
+                <a:pos x="connsiteX0" y="connsiteY0"/>
+              </a:cxn>
+              <a:cxn ang="0">
+                <a:pos x="connsiteX1" y="connsiteY1"/>
+              </a:cxn>
+              <a:cxn ang="0">
+                <a:pos x="connsiteX2" y="connsiteY2"/>
+              </a:cxn>
+              <a:cxn ang="0">
+                <a:pos x="connsiteX3" y="connsiteY3"/>
+              </a:cxn>
+              <a:cxn ang="0">
+                <a:pos x="connsiteX4" y="connsiteY4"/>
+              </a:cxn>
+              <a:cxn ang="0">
+                <a:pos x="connsiteX5" y="connsiteY5"/>
+              </a:cxn>
+              <a:cxn ang="0">
+                <a:pos x="connsiteX6" y="connsiteY6"/>
+              </a:cxn>
+              <a:cxn ang="0">
+                <a:pos x="connsiteX7" y="connsiteY7"/>
+              </a:cxn>
+              <a:cxn ang="0">
+                <a:pos x="connsiteX8" y="connsiteY8"/>
+              </a:cxn>
+            </a:cxnLst>
+            <a:rect l="l" t="t" r="r" b="b"/>
+            <a:pathLst>
+              <a:path w="4808302" h="4088666">
+                <a:moveTo>
+                  <a:pt x="48844" y="2888671"/>
+                </a:moveTo>
+                <a:cubicBezTo>
+                  <a:pt x="16818" y="2732167"/>
+                  <a:pt x="0" y="2570123"/>
+                  <a:pt x="0" y="2404151"/>
+                </a:cubicBezTo>
+                <a:cubicBezTo>
+                  <a:pt x="0" y="1076375"/>
+                  <a:pt x="1076375" y="0"/>
+                  <a:pt x="2404151" y="0"/>
+                </a:cubicBezTo>
+                <a:cubicBezTo>
+                  <a:pt x="3731927" y="0"/>
+                  <a:pt x="4808302" y="1076375"/>
+                  <a:pt x="4808302" y="2404151"/>
+                </a:cubicBezTo>
+                <a:cubicBezTo>
+                  <a:pt x="4808302" y="2653109"/>
+                  <a:pt x="4770461" y="2893229"/>
+                  <a:pt x="4700216" y="3119072"/>
+                </a:cubicBezTo>
+                <a:lnTo>
+                  <a:pt x="4643143" y="3275009"/>
+                </a:lnTo>
+                <a:lnTo>
+                  <a:pt x="690093" y="4088666"/>
+                </a:lnTo>
+                <a:lnTo>
+                  <a:pt x="548991" y="3933414"/>
+                </a:lnTo>
+                <a:cubicBezTo>
+                  <a:pt x="304015" y="3636572"/>
+                  <a:pt x="128908" y="3279932"/>
+                  <a:pt x="48844" y="2888671"/>
+                </a:cubicBezTo>
+                <a:close/>
+              </a:path>
+            </a:pathLst>
+          </a:custGeom>
+          <a:gradFill>
+            <a:gsLst>
+              <a:gs pos="39000">
+                <a:schemeClr val="accent1">
+                  <a:lumMod val="60000"/>
+                  <a:lumOff val="40000"/>
+                  <a:alpha val="0"/>
+                </a:schemeClr>
+              </a:gs>
+              <a:gs pos="100000">
+                <a:schemeClr val="accent1">
+                  <a:lumMod val="75000"/>
+                  <a:alpha val="26000"/>
+                </a:schemeClr>
+              </a:gs>
+            </a:gsLst>
+            <a:lin ang="18600000" scaled="0"/>
+          </a:gradFill>
+          <a:ln>
+            <a:noFill/>
+          </a:ln>
+        </p:spPr>
+        <p:style>
+          <a:lnRef idx="2">
+            <a:schemeClr val="accent1">
+              <a:shade val="50000"/>
+            </a:schemeClr>
+          </a:lnRef>
+          <a:fillRef idx="1">
+            <a:schemeClr val="accent1"/>
+          </a:fillRef>
+          <a:effectRef idx="0">
+            <a:schemeClr val="accent1"/>
+          </a:effectRef>
+          <a:fontRef idx="minor">
+            <a:schemeClr val="lt1"/>
+          </a:fontRef>
+        </p:style>
+        <p:txBody>
+          <a:bodyPr wrap="square" rtlCol="0" anchor="ctr">
+            <a:noAutofit/>
+          </a:bodyPr>
+          <a:lstStyle/>
+          <a:p>
+            <a:pPr algn="ctr"/>
+            <a:endParaRPr lang="en-US" dirty="0"/>
+          </a:p>
+        </p:txBody>
+      </p:sp>
+      <p:sp>
+        <p:nvSpPr>
+          <p:cNvPr id="2" name="Title 1">
+            <a:extLst>
+              <a:ext uri="{FF2B5EF4-FFF2-40B4-BE49-F238E27FC236}">
+                <a16:creationId xmlns:a16="http://schemas.microsoft.com/office/drawing/2014/main" id="{A2E8CE4F-809C-D185-C4E6-F6DD5459DF8F}"/>
+              </a:ext>
+            </a:extLst>
+          </p:cNvPr>
+          <p:cNvSpPr>
+            <a:spLocks noGrp="1"/>
+          </p:cNvSpPr>
+          <p:nvPr>
+            <p:ph type="title"/>
+          </p:nvPr>
+        </p:nvSpPr>
+        <p:spPr>
+          <a:xfrm>
+            <a:off x="660041" y="2767106"/>
+            <a:ext cx="2880828" cy="3071906"/>
+          </a:xfrm>
+        </p:spPr>
+        <p:txBody>
+          <a:bodyPr vert="horz" lIns="91440" tIns="45720" rIns="91440" bIns="45720" rtlCol="0" anchor="t">
+            <a:normAutofit/>
+          </a:bodyPr>
+          <a:lstStyle/>
+          <a:p>
+            <a:r>
+              <a:rPr lang="en-US" sz="4000" b="1" i="0" kern="1200" dirty="0">
+                <a:solidFill>
+                  <a:srgbClr val="FFFFFF"/>
+                </a:solidFill>
+                <a:effectLst/>
+                <a:latin typeface="+mj-lt"/>
+                <a:ea typeface="+mj-ea"/>
+                <a:cs typeface="+mj-cs"/>
+              </a:rPr>
+              <a:t>Understand Builder Design Pattern:</a:t>
+            </a:r>
+            <a:endParaRPr lang="en-US" sz="4000" kern="1200" dirty="0">
+              <a:solidFill>
+                <a:srgbClr val="FFFFFF"/>
+              </a:solidFill>
+              <a:latin typeface="+mj-lt"/>
+              <a:ea typeface="+mj-ea"/>
+              <a:cs typeface="+mj-cs"/>
+            </a:endParaRPr>
+          </a:p>
+        </p:txBody>
+      </p:sp>
+      <p:pic>
+        <p:nvPicPr>
+          <p:cNvPr id="5" name="Content Placeholder 4">
+            <a:extLst>
+              <a:ext uri="{FF2B5EF4-FFF2-40B4-BE49-F238E27FC236}">
+                <a16:creationId xmlns:a16="http://schemas.microsoft.com/office/drawing/2014/main" id="{9DA22FC4-8E4C-87A1-4960-A66ABC762135}"/>
+              </a:ext>
+            </a:extLst>
+          </p:cNvPr>
+          <p:cNvPicPr>
+            <a:picLocks noGrp="1" noChangeAspect="1"/>
+          </p:cNvPicPr>
+          <p:nvPr>
+            <p:ph idx="1"/>
+          </p:nvPr>
+        </p:nvPicPr>
+        <p:blipFill>
+          <a:blip r:embed="rId2"/>
+          <a:stretch>
+            <a:fillRect/>
+          </a:stretch>
+        </p:blipFill>
+        <p:spPr>
+          <a:xfrm>
+            <a:off x="5205342" y="467208"/>
+            <a:ext cx="5819920" cy="5923584"/>
+          </a:xfrm>
+          <a:prstGeom prst="rect">
+            <a:avLst/>
+          </a:prstGeom>
+        </p:spPr>
+      </p:pic>
+    </p:spTree>
+    <p:extLst>
+      <p:ext uri="{BB962C8B-B14F-4D97-AF65-F5344CB8AC3E}">
+        <p14:creationId xmlns:p14="http://schemas.microsoft.com/office/powerpoint/2010/main" val="683763506"/>
+      </p:ext>
+    </p:extLst>
+  </p:cSld>
+  <p:clrMapOvr>
+    <a:masterClrMapping/>
+  </p:clrMapOvr>
+</p:sld>
+</file>
+
+<file path=ppt/slides/slide19.xml><?xml version="1.0" encoding="utf-8"?>
+<p:sld xmlns:a="http://schemas.openxmlformats.org/drawingml/2006/main" xmlns:r="http://schemas.openxmlformats.org/officeDocument/2006/relationships" xmlns:p="http://schemas.openxmlformats.org/presentationml/2006/main">
+  <p:cSld>
+    <p:bg>
+      <p:bgPr>
+        <a:solidFill>
+          <a:schemeClr val="bg1"/>
+        </a:solidFill>
+        <a:effectLst/>
+      </p:bgPr>
+    </p:bg>
+    <p:spTree>
+      <p:nvGrpSpPr>
+        <p:cNvPr id="1" name=""/>
+        <p:cNvGrpSpPr/>
+        <p:nvPr/>
+      </p:nvGrpSpPr>
+      <p:grpSpPr>
+        <a:xfrm>
+          <a:off x="0" y="0"/>
+          <a:ext cx="0" cy="0"/>
+          <a:chOff x="0" y="0"/>
+          <a:chExt cx="0" cy="0"/>
+        </a:xfrm>
+      </p:grpSpPr>
+      <p:sp useBgFill="1">
+        <p:nvSpPr>
+          <p:cNvPr id="9" name="Rectangle 8">
+            <a:extLst>
+              <a:ext uri="{FF2B5EF4-FFF2-40B4-BE49-F238E27FC236}">
+                <a16:creationId xmlns:a16="http://schemas.microsoft.com/office/drawing/2014/main" id="{A8384FB5-9ADC-4DDC-881B-597D56F5B15D}"/>
+              </a:ext>
+              <a:ext uri="{C183D7F6-B498-43B3-948B-1728B52AA6E4}">
+                <adec:decorative xmlns:adec="http://schemas.microsoft.com/office/drawing/2017/decorative" val="1"/>
+              </a:ext>
+            </a:extLst>
+          </p:cNvPr>
+          <p:cNvSpPr>
+            <a:spLocks noGrp="1" noRot="1" noChangeAspect="1" noMove="1" noResize="1" noEditPoints="1" noAdjustHandles="1" noChangeArrowheads="1" noChangeShapeType="1" noTextEdit="1"/>
+          </p:cNvSpPr>
+          <p:nvPr>
+            <p:extLst>
+              <p:ext uri="{386F3935-93C4-4BCD-93E2-E3B085C9AB24}">
+                <p16:designElem xmlns:p16="http://schemas.microsoft.com/office/powerpoint/2015/main" val="1"/>
+              </p:ext>
+            </p:extLst>
+          </p:nvPr>
+        </p:nvSpPr>
+        <p:spPr>
+          <a:xfrm>
+            <a:off x="0" y="0"/>
+            <a:ext cx="12192000" cy="6858000"/>
+          </a:xfrm>
+          <a:prstGeom prst="rect">
+            <a:avLst/>
+          </a:prstGeom>
+          <a:ln w="12700" cap="flat" cmpd="sng" algn="ctr">
+            <a:noFill/>
+            <a:prstDash val="solid"/>
+            <a:miter lim="800000"/>
+          </a:ln>
+          <a:effectLst/>
+          <a:extLst>
+            <a:ext uri="{91240B29-F687-4F45-9708-019B960494DF}">
+              <a14:hiddenLine xmlns:a14="http://schemas.microsoft.com/office/drawing/2010/main" w="12700" cap="flat" cmpd="sng" algn="ctr">
+                <a:solidFill>
+                  <a:schemeClr val="accent1">
+                    <a:shade val="50000"/>
+                  </a:schemeClr>
+                </a:solidFill>
+                <a:prstDash val="solid"/>
+                <a:miter lim="800000"/>
+              </a14:hiddenLine>
+            </a:ext>
+          </a:extLst>
+        </p:spPr>
+        <p:style>
+          <a:lnRef idx="2">
+            <a:schemeClr val="accent1">
+              <a:shade val="50000"/>
+            </a:schemeClr>
+          </a:lnRef>
+          <a:fillRef idx="1">
+            <a:schemeClr val="accent1"/>
+          </a:fillRef>
+          <a:effectRef idx="0">
+            <a:schemeClr val="accent1"/>
+          </a:effectRef>
+          <a:fontRef idx="minor">
+            <a:schemeClr val="lt1"/>
+          </a:fontRef>
+        </p:style>
+        <p:txBody>
+          <a:bodyPr rtlCol="0" anchor="ctr"/>
+          <a:lstStyle/>
+          <a:p>
+            <a:pPr algn="ctr"/>
+            <a:endParaRPr lang="en-US"/>
+          </a:p>
+        </p:txBody>
+      </p:sp>
+      <p:sp>
+        <p:nvSpPr>
+          <p:cNvPr id="11" name="Rectangle 10">
+            <a:extLst>
+              <a:ext uri="{FF2B5EF4-FFF2-40B4-BE49-F238E27FC236}">
+                <a16:creationId xmlns:a16="http://schemas.microsoft.com/office/drawing/2014/main" id="{91E5A9A7-95C6-4F4F-B00E-C82E07FE62EF}"/>
+              </a:ext>
+              <a:ext uri="{C183D7F6-B498-43B3-948B-1728B52AA6E4}">
+                <adec:decorative xmlns:adec="http://schemas.microsoft.com/office/drawing/2017/decorative" val="1"/>
+              </a:ext>
+            </a:extLst>
+          </p:cNvPr>
+          <p:cNvSpPr>
+            <a:spLocks noGrp="1" noRot="1" noChangeAspect="1" noMove="1" noResize="1" noEditPoints="1" noAdjustHandles="1" noChangeArrowheads="1" noChangeShapeType="1" noTextEdit="1"/>
+          </p:cNvSpPr>
+          <p:nvPr>
+            <p:extLst>
+              <p:ext uri="{386F3935-93C4-4BCD-93E2-E3B085C9AB24}">
+                <p16:designElem xmlns:p16="http://schemas.microsoft.com/office/powerpoint/2015/main" val="1"/>
+              </p:ext>
+            </p:extLst>
+          </p:nvPr>
+        </p:nvSpPr>
+        <p:spPr>
+          <a:xfrm rot="5400000" flipH="1">
+            <a:off x="-1417539" y="1417538"/>
+            <a:ext cx="6875818" cy="4040744"/>
+          </a:xfrm>
+          <a:prstGeom prst="rect">
+            <a:avLst/>
+          </a:prstGeom>
+          <a:gradFill>
+            <a:gsLst>
+              <a:gs pos="0">
+                <a:srgbClr val="000000"/>
+              </a:gs>
+              <a:gs pos="100000">
+                <a:schemeClr val="accent1">
+                  <a:lumMod val="75000"/>
+                </a:schemeClr>
+              </a:gs>
+            </a:gsLst>
+            <a:lin ang="18600000" scaled="0"/>
+          </a:gradFill>
+          <a:ln>
+            <a:noFill/>
+          </a:ln>
+        </p:spPr>
+        <p:style>
+          <a:lnRef idx="2">
+            <a:schemeClr val="accent1">
+              <a:shade val="50000"/>
+            </a:schemeClr>
+          </a:lnRef>
+          <a:fillRef idx="1">
+            <a:schemeClr val="accent1"/>
+          </a:fillRef>
+          <a:effectRef idx="0">
+            <a:schemeClr val="accent1"/>
+          </a:effectRef>
+          <a:fontRef idx="minor">
+            <a:schemeClr val="lt1"/>
+          </a:fontRef>
+        </p:style>
+        <p:txBody>
+          <a:bodyPr rtlCol="0" anchor="ctr"/>
+          <a:lstStyle/>
+          <a:p>
+            <a:pPr algn="ctr"/>
+            <a:endParaRPr lang="en-US" dirty="0"/>
+          </a:p>
+        </p:txBody>
+      </p:sp>
+      <p:sp>
+        <p:nvSpPr>
+          <p:cNvPr id="13" name="Rectangle 12">
+            <a:extLst>
+              <a:ext uri="{FF2B5EF4-FFF2-40B4-BE49-F238E27FC236}">
+                <a16:creationId xmlns:a16="http://schemas.microsoft.com/office/drawing/2014/main" id="{D07DD2DE-F619-49DD-B5E7-03A290FF4ED1}"/>
+              </a:ext>
+              <a:ext uri="{C183D7F6-B498-43B3-948B-1728B52AA6E4}">
+                <adec:decorative xmlns:adec="http://schemas.microsoft.com/office/drawing/2017/decorative" val="1"/>
+              </a:ext>
+            </a:extLst>
+          </p:cNvPr>
+          <p:cNvSpPr>
+            <a:spLocks noGrp="1" noRot="1" noChangeAspect="1" noMove="1" noResize="1" noEditPoints="1" noAdjustHandles="1" noChangeArrowheads="1" noChangeShapeType="1" noTextEdit="1"/>
+          </p:cNvSpPr>
+          <p:nvPr>
+            <p:extLst>
+              <p:ext uri="{386F3935-93C4-4BCD-93E2-E3B085C9AB24}">
+                <p16:designElem xmlns:p16="http://schemas.microsoft.com/office/powerpoint/2015/main" val="1"/>
+              </p:ext>
+            </p:extLst>
+          </p:nvPr>
+        </p:nvSpPr>
+        <p:spPr>
+          <a:xfrm rot="16200000">
+            <a:off x="-158495" y="2660473"/>
+            <a:ext cx="4355594" cy="4038603"/>
+          </a:xfrm>
+          <a:prstGeom prst="rect">
+            <a:avLst/>
+          </a:prstGeom>
+          <a:gradFill>
+            <a:gsLst>
+              <a:gs pos="0">
+                <a:schemeClr val="accent1">
+                  <a:alpha val="50000"/>
+                </a:schemeClr>
+              </a:gs>
+              <a:gs pos="100000">
+                <a:schemeClr val="accent1">
+                  <a:lumMod val="50000"/>
+                  <a:alpha val="0"/>
+                </a:schemeClr>
+              </a:gs>
+            </a:gsLst>
+            <a:lin ang="11400000" scaled="0"/>
+          </a:gradFill>
+          <a:ln>
+            <a:noFill/>
+          </a:ln>
+        </p:spPr>
+        <p:style>
+          <a:lnRef idx="2">
+            <a:schemeClr val="accent1">
+              <a:shade val="50000"/>
+            </a:schemeClr>
+          </a:lnRef>
+          <a:fillRef idx="1">
+            <a:schemeClr val="accent1"/>
+          </a:fillRef>
+          <a:effectRef idx="0">
+            <a:schemeClr val="accent1"/>
+          </a:effectRef>
+          <a:fontRef idx="minor">
+            <a:schemeClr val="lt1"/>
+          </a:fontRef>
+        </p:style>
+        <p:txBody>
+          <a:bodyPr rtlCol="0" anchor="ctr"/>
+          <a:lstStyle/>
+          <a:p>
+            <a:pPr algn="ctr"/>
+            <a:endParaRPr lang="en-US"/>
+          </a:p>
+        </p:txBody>
+      </p:sp>
+      <p:sp>
+        <p:nvSpPr>
+          <p:cNvPr id="15" name="Rectangle 14">
+            <a:extLst>
+              <a:ext uri="{FF2B5EF4-FFF2-40B4-BE49-F238E27FC236}">
+                <a16:creationId xmlns:a16="http://schemas.microsoft.com/office/drawing/2014/main" id="{85149191-5F60-4A28-AAFF-039F96B0F3EC}"/>
+              </a:ext>
+              <a:ext uri="{C183D7F6-B498-43B3-948B-1728B52AA6E4}">
+                <adec:decorative xmlns:adec="http://schemas.microsoft.com/office/drawing/2017/decorative" val="1"/>
+              </a:ext>
+            </a:extLst>
+          </p:cNvPr>
+          <p:cNvSpPr>
+            <a:spLocks noGrp="1" noRot="1" noChangeAspect="1" noMove="1" noResize="1" noEditPoints="1" noAdjustHandles="1" noChangeArrowheads="1" noChangeShapeType="1" noTextEdit="1"/>
+          </p:cNvSpPr>
+          <p:nvPr>
+            <p:extLst>
+              <p:ext uri="{386F3935-93C4-4BCD-93E2-E3B085C9AB24}">
+                <p16:designElem xmlns:p16="http://schemas.microsoft.com/office/powerpoint/2015/main" val="1"/>
+              </p:ext>
+            </p:extLst>
+          </p:nvPr>
+        </p:nvSpPr>
+        <p:spPr>
+          <a:xfrm rot="16200000" flipH="1">
+            <a:off x="-1180882" y="1638085"/>
+            <a:ext cx="6857572" cy="3581401"/>
+          </a:xfrm>
+          <a:prstGeom prst="rect">
+            <a:avLst/>
+          </a:prstGeom>
+          <a:gradFill>
+            <a:gsLst>
+              <a:gs pos="0">
+                <a:srgbClr val="000000">
+                  <a:alpha val="59000"/>
+                </a:srgbClr>
+              </a:gs>
+              <a:gs pos="69000">
+                <a:schemeClr val="accent1">
+                  <a:alpha val="0"/>
+                </a:schemeClr>
+              </a:gs>
+            </a:gsLst>
+            <a:lin ang="13200000" scaled="0"/>
+          </a:gradFill>
+          <a:ln>
+            <a:noFill/>
+          </a:ln>
+        </p:spPr>
+        <p:style>
+          <a:lnRef idx="2">
+            <a:schemeClr val="accent1">
+              <a:shade val="50000"/>
+            </a:schemeClr>
+          </a:lnRef>
+          <a:fillRef idx="1">
+            <a:schemeClr val="accent1"/>
+          </a:fillRef>
+          <a:effectRef idx="0">
+            <a:schemeClr val="accent1"/>
+          </a:effectRef>
+          <a:fontRef idx="minor">
+            <a:schemeClr val="lt1"/>
+          </a:fontRef>
+        </p:style>
+        <p:txBody>
+          <a:bodyPr rtlCol="0" anchor="ctr"/>
+          <a:lstStyle/>
+          <a:p>
+            <a:pPr algn="ctr"/>
+            <a:endParaRPr lang="en-US" dirty="0"/>
+          </a:p>
+        </p:txBody>
+      </p:sp>
+      <p:sp>
+        <p:nvSpPr>
+          <p:cNvPr id="17" name="Freeform: Shape 16">
+            <a:extLst>
+              <a:ext uri="{FF2B5EF4-FFF2-40B4-BE49-F238E27FC236}">
+                <a16:creationId xmlns:a16="http://schemas.microsoft.com/office/drawing/2014/main" id="{F8260ED5-17F7-4158-B241-D51DD4CF1B7E}"/>
+              </a:ext>
+              <a:ext uri="{C183D7F6-B498-43B3-948B-1728B52AA6E4}">
+                <adec:decorative xmlns:adec="http://schemas.microsoft.com/office/drawing/2017/decorative" val="1"/>
+              </a:ext>
+            </a:extLst>
+          </p:cNvPr>
+          <p:cNvSpPr>
+            <a:spLocks noGrp="1" noRot="1" noChangeAspect="1" noMove="1" noResize="1" noEditPoints="1" noAdjustHandles="1" noChangeArrowheads="1" noChangeShapeType="1" noTextEdit="1"/>
+          </p:cNvSpPr>
+          <p:nvPr>
+            <p:extLst>
+              <p:ext uri="{386F3935-93C4-4BCD-93E2-E3B085C9AB24}">
+                <p16:designElem xmlns:p16="http://schemas.microsoft.com/office/powerpoint/2015/main" val="1"/>
+              </p:ext>
+            </p:extLst>
+          </p:nvPr>
+        </p:nvSpPr>
+        <p:spPr>
+          <a:xfrm rot="6097846">
+            <a:off x="-747355" y="1201312"/>
+            <a:ext cx="4808302" cy="4088666"/>
+          </a:xfrm>
+          <a:custGeom>
+            <a:avLst/>
+            <a:gdLst>
+              <a:gd name="connsiteX0" fmla="*/ 48844 w 4808302"/>
+              <a:gd name="connsiteY0" fmla="*/ 2888671 h 4088666"/>
+              <a:gd name="connsiteX1" fmla="*/ 0 w 4808302"/>
+              <a:gd name="connsiteY1" fmla="*/ 2404151 h 4088666"/>
+              <a:gd name="connsiteX2" fmla="*/ 2404151 w 4808302"/>
+              <a:gd name="connsiteY2" fmla="*/ 0 h 4088666"/>
+              <a:gd name="connsiteX3" fmla="*/ 4808302 w 4808302"/>
+              <a:gd name="connsiteY3" fmla="*/ 2404151 h 4088666"/>
+              <a:gd name="connsiteX4" fmla="*/ 4700216 w 4808302"/>
+              <a:gd name="connsiteY4" fmla="*/ 3119072 h 4088666"/>
+              <a:gd name="connsiteX5" fmla="*/ 4643143 w 4808302"/>
+              <a:gd name="connsiteY5" fmla="*/ 3275009 h 4088666"/>
+              <a:gd name="connsiteX6" fmla="*/ 690093 w 4808302"/>
+              <a:gd name="connsiteY6" fmla="*/ 4088666 h 4088666"/>
+              <a:gd name="connsiteX7" fmla="*/ 548991 w 4808302"/>
+              <a:gd name="connsiteY7" fmla="*/ 3933414 h 4088666"/>
+              <a:gd name="connsiteX8" fmla="*/ 48844 w 4808302"/>
+              <a:gd name="connsiteY8" fmla="*/ 2888671 h 4088666"/>
+            </a:gdLst>
+            <a:ahLst/>
+            <a:cxnLst>
+              <a:cxn ang="0">
+                <a:pos x="connsiteX0" y="connsiteY0"/>
+              </a:cxn>
+              <a:cxn ang="0">
+                <a:pos x="connsiteX1" y="connsiteY1"/>
+              </a:cxn>
+              <a:cxn ang="0">
+                <a:pos x="connsiteX2" y="connsiteY2"/>
+              </a:cxn>
+              <a:cxn ang="0">
+                <a:pos x="connsiteX3" y="connsiteY3"/>
+              </a:cxn>
+              <a:cxn ang="0">
+                <a:pos x="connsiteX4" y="connsiteY4"/>
+              </a:cxn>
+              <a:cxn ang="0">
+                <a:pos x="connsiteX5" y="connsiteY5"/>
+              </a:cxn>
+              <a:cxn ang="0">
+                <a:pos x="connsiteX6" y="connsiteY6"/>
+              </a:cxn>
+              <a:cxn ang="0">
+                <a:pos x="connsiteX7" y="connsiteY7"/>
+              </a:cxn>
+              <a:cxn ang="0">
+                <a:pos x="connsiteX8" y="connsiteY8"/>
+              </a:cxn>
+            </a:cxnLst>
+            <a:rect l="l" t="t" r="r" b="b"/>
+            <a:pathLst>
+              <a:path w="4808302" h="4088666">
+                <a:moveTo>
+                  <a:pt x="48844" y="2888671"/>
+                </a:moveTo>
+                <a:cubicBezTo>
+                  <a:pt x="16818" y="2732167"/>
+                  <a:pt x="0" y="2570123"/>
+                  <a:pt x="0" y="2404151"/>
+                </a:cubicBezTo>
+                <a:cubicBezTo>
+                  <a:pt x="0" y="1076375"/>
+                  <a:pt x="1076375" y="0"/>
+                  <a:pt x="2404151" y="0"/>
+                </a:cubicBezTo>
+                <a:cubicBezTo>
+                  <a:pt x="3731927" y="0"/>
+                  <a:pt x="4808302" y="1076375"/>
+                  <a:pt x="4808302" y="2404151"/>
+                </a:cubicBezTo>
+                <a:cubicBezTo>
+                  <a:pt x="4808302" y="2653109"/>
+                  <a:pt x="4770461" y="2893229"/>
+                  <a:pt x="4700216" y="3119072"/>
+                </a:cubicBezTo>
+                <a:lnTo>
+                  <a:pt x="4643143" y="3275009"/>
+                </a:lnTo>
+                <a:lnTo>
+                  <a:pt x="690093" y="4088666"/>
+                </a:lnTo>
+                <a:lnTo>
+                  <a:pt x="548991" y="3933414"/>
+                </a:lnTo>
+                <a:cubicBezTo>
+                  <a:pt x="304015" y="3636572"/>
+                  <a:pt x="128908" y="3279932"/>
+                  <a:pt x="48844" y="2888671"/>
+                </a:cubicBezTo>
+                <a:close/>
+              </a:path>
+            </a:pathLst>
+          </a:custGeom>
+          <a:gradFill>
+            <a:gsLst>
+              <a:gs pos="39000">
+                <a:schemeClr val="accent1">
+                  <a:lumMod val="60000"/>
+                  <a:lumOff val="40000"/>
+                  <a:alpha val="0"/>
+                </a:schemeClr>
+              </a:gs>
+              <a:gs pos="100000">
+                <a:schemeClr val="accent1">
+                  <a:lumMod val="75000"/>
+                  <a:alpha val="26000"/>
+                </a:schemeClr>
+              </a:gs>
+            </a:gsLst>
+            <a:lin ang="18600000" scaled="0"/>
+          </a:gradFill>
+          <a:ln>
+            <a:noFill/>
+          </a:ln>
+        </p:spPr>
+        <p:style>
+          <a:lnRef idx="2">
+            <a:schemeClr val="accent1">
+              <a:shade val="50000"/>
+            </a:schemeClr>
+          </a:lnRef>
+          <a:fillRef idx="1">
+            <a:schemeClr val="accent1"/>
+          </a:fillRef>
+          <a:effectRef idx="0">
+            <a:schemeClr val="accent1"/>
+          </a:effectRef>
+          <a:fontRef idx="minor">
+            <a:schemeClr val="lt1"/>
+          </a:fontRef>
+        </p:style>
+        <p:txBody>
+          <a:bodyPr wrap="square" rtlCol="0" anchor="ctr">
+            <a:noAutofit/>
+          </a:bodyPr>
+          <a:lstStyle/>
+          <a:p>
+            <a:pPr algn="ctr"/>
+            <a:endParaRPr lang="en-US" dirty="0"/>
+          </a:p>
+        </p:txBody>
+      </p:sp>
+      <p:sp>
+        <p:nvSpPr>
+          <p:cNvPr id="2" name="Title 1">
+            <a:extLst>
+              <a:ext uri="{FF2B5EF4-FFF2-40B4-BE49-F238E27FC236}">
+                <a16:creationId xmlns:a16="http://schemas.microsoft.com/office/drawing/2014/main" id="{B352E8E0-F960-6DE2-75EC-3898BAA298A4}"/>
+              </a:ext>
+            </a:extLst>
+          </p:cNvPr>
+          <p:cNvSpPr>
+            <a:spLocks noGrp="1"/>
+          </p:cNvSpPr>
+          <p:nvPr>
+            <p:ph type="title"/>
+          </p:nvPr>
+        </p:nvSpPr>
+        <p:spPr>
+          <a:xfrm>
+            <a:off x="660041" y="2767106"/>
+            <a:ext cx="2880828" cy="3071906"/>
+          </a:xfrm>
+        </p:spPr>
+        <p:txBody>
+          <a:bodyPr vert="horz" lIns="91440" tIns="45720" rIns="91440" bIns="45720" rtlCol="0" anchor="t">
+            <a:normAutofit/>
+          </a:bodyPr>
+          <a:lstStyle/>
+          <a:p>
+            <a:r>
+              <a:rPr lang="en-US" sz="4000" kern="1200">
+                <a:solidFill>
+                  <a:srgbClr val="FFFFFF"/>
+                </a:solidFill>
+                <a:latin typeface="+mj-lt"/>
+                <a:ea typeface="+mj-ea"/>
+                <a:cs typeface="+mj-cs"/>
+              </a:rPr>
+              <a:t>Final builder design output</a:t>
+            </a:r>
+          </a:p>
+        </p:txBody>
+      </p:sp>
+      <p:pic>
+        <p:nvPicPr>
+          <p:cNvPr id="4" name="Content Placeholder 3">
+            <a:extLst>
+              <a:ext uri="{FF2B5EF4-FFF2-40B4-BE49-F238E27FC236}">
+                <a16:creationId xmlns:a16="http://schemas.microsoft.com/office/drawing/2014/main" id="{50D0D2DE-3CEA-4292-75B4-BE1C87674A60}"/>
+              </a:ext>
+            </a:extLst>
+          </p:cNvPr>
+          <p:cNvPicPr>
+            <a:picLocks noGrp="1" noChangeAspect="1"/>
+          </p:cNvPicPr>
+          <p:nvPr>
+            <p:ph idx="1"/>
+          </p:nvPr>
+        </p:nvPicPr>
+        <p:blipFill>
+          <a:blip r:embed="rId2"/>
+          <a:stretch>
+            <a:fillRect/>
+          </a:stretch>
+        </p:blipFill>
+        <p:spPr>
+          <a:xfrm>
+            <a:off x="5271981" y="467208"/>
+            <a:ext cx="5686641" cy="5923584"/>
+          </a:xfrm>
+          <a:prstGeom prst="rect">
+            <a:avLst/>
+          </a:prstGeom>
+        </p:spPr>
+      </p:pic>
+    </p:spTree>
+    <p:extLst>
+      <p:ext uri="{BB962C8B-B14F-4D97-AF65-F5344CB8AC3E}">
+        <p14:creationId xmlns:p14="http://schemas.microsoft.com/office/powerpoint/2010/main" val="593485302"/>
+      </p:ext>
+    </p:extLst>
+  </p:cSld>
+  <p:clrMapOvr>
+    <a:masterClrMapping/>
+  </p:clrMapOvr>
+</p:sld>
+</file>
+
 <file path=ppt/slides/slide2.xml><?xml version="1.0" encoding="utf-8"?>
 <p:sld xmlns:a="http://schemas.openxmlformats.org/drawingml/2006/main" xmlns:r="http://schemas.openxmlformats.org/officeDocument/2006/relationships" xmlns:p="http://schemas.openxmlformats.org/presentationml/2006/main">
   <p:cSld>
@@ -3660,6 +6037,96 @@
     <p:extLst>
       <p:ext uri="{BB962C8B-B14F-4D97-AF65-F5344CB8AC3E}">
         <p14:creationId xmlns:p14="http://schemas.microsoft.com/office/powerpoint/2010/main" val="4079210965"/>
+      </p:ext>
+    </p:extLst>
+  </p:cSld>
+  <p:clrMapOvr>
+    <a:masterClrMapping/>
+  </p:clrMapOvr>
+</p:sld>
+</file>
+
+<file path=ppt/slides/slide20.xml><?xml version="1.0" encoding="utf-8"?>
+<p:sld xmlns:a="http://schemas.openxmlformats.org/drawingml/2006/main" xmlns:r="http://schemas.openxmlformats.org/officeDocument/2006/relationships" xmlns:p="http://schemas.openxmlformats.org/presentationml/2006/main">
+  <p:cSld>
+    <p:spTree>
+      <p:nvGrpSpPr>
+        <p:cNvPr id="1" name=""/>
+        <p:cNvGrpSpPr/>
+        <p:nvPr/>
+      </p:nvGrpSpPr>
+      <p:grpSpPr>
+        <a:xfrm>
+          <a:off x="0" y="0"/>
+          <a:ext cx="0" cy="0"/>
+          <a:chOff x="0" y="0"/>
+          <a:chExt cx="0" cy="0"/>
+        </a:xfrm>
+      </p:grpSpPr>
+      <p:sp>
+        <p:nvSpPr>
+          <p:cNvPr id="2" name="Title 1">
+            <a:extLst>
+              <a:ext uri="{FF2B5EF4-FFF2-40B4-BE49-F238E27FC236}">
+                <a16:creationId xmlns:a16="http://schemas.microsoft.com/office/drawing/2014/main" id="{2475CEB9-61D3-C978-4989-1C87DF7D8438}"/>
+              </a:ext>
+            </a:extLst>
+          </p:cNvPr>
+          <p:cNvSpPr>
+            <a:spLocks noGrp="1"/>
+          </p:cNvSpPr>
+          <p:nvPr>
+            <p:ph type="title"/>
+          </p:nvPr>
+        </p:nvSpPr>
+        <p:spPr/>
+        <p:txBody>
+          <a:bodyPr/>
+          <a:lstStyle/>
+          <a:p>
+            <a:r>
+              <a:rPr lang="en-US" dirty="0"/>
+              <a:t>UML – Builder design</a:t>
+            </a:r>
+          </a:p>
+        </p:txBody>
+      </p:sp>
+      <p:pic>
+        <p:nvPicPr>
+          <p:cNvPr id="4" name="Content Placeholder 3">
+            <a:extLst>
+              <a:ext uri="{FF2B5EF4-FFF2-40B4-BE49-F238E27FC236}">
+                <a16:creationId xmlns:a16="http://schemas.microsoft.com/office/drawing/2014/main" id="{4AC9E92D-6713-949C-F915-29BA97D4D8C0}"/>
+              </a:ext>
+            </a:extLst>
+          </p:cNvPr>
+          <p:cNvPicPr>
+            <a:picLocks noGrp="1" noChangeAspect="1"/>
+          </p:cNvPicPr>
+          <p:nvPr>
+            <p:ph idx="1"/>
+          </p:nvPr>
+        </p:nvPicPr>
+        <p:blipFill>
+          <a:blip r:embed="rId2"/>
+          <a:stretch>
+            <a:fillRect/>
+          </a:stretch>
+        </p:blipFill>
+        <p:spPr>
+          <a:xfrm>
+            <a:off x="1767516" y="1825625"/>
+            <a:ext cx="8656968" cy="4351338"/>
+          </a:xfrm>
+          <a:prstGeom prst="rect">
+            <a:avLst/>
+          </a:prstGeom>
+        </p:spPr>
+      </p:pic>
+    </p:spTree>
+    <p:extLst>
+      <p:ext uri="{BB962C8B-B14F-4D97-AF65-F5344CB8AC3E}">
+        <p14:creationId xmlns:p14="http://schemas.microsoft.com/office/powerpoint/2010/main" val="508820715"/>
       </p:ext>
     </p:extLst>
   </p:cSld>
